--- a/Deamonis(데모니스) 기획서/Daemonis PPT.pptx
+++ b/Deamonis(데모니스) 기획서/Daemonis PPT.pptx
@@ -2,16 +2,24 @@
 <file path=ppt/presentation.xml><?xml version="1.0" encoding="utf-8"?>
 <p:presentation xmlns:a="http://schemas.openxmlformats.org/drawingml/2006/main" xmlns:r="http://schemas.openxmlformats.org/officeDocument/2006/relationships" xmlns:p="http://schemas.openxmlformats.org/presentationml/2006/main" xmlns:p14="http://schemas.microsoft.com/office/powerpoint/2010/main" saveSubsetFonts="1">
   <p:sldMasterIdLst>
-    <p:sldMasterId id="2147483766" r:id="rId12"/>
+    <p:sldMasterId id="2147483772" r:id="rId12"/>
   </p:sldMasterIdLst>
   <p:sldIdLst>
     <p:sldId id="287" r:id="rId14"/>
     <p:sldId id="320" r:id="rId15"/>
     <p:sldId id="322" r:id="rId16"/>
-    <p:sldId id="321" r:id="rId17"/>
-    <p:sldId id="323" r:id="rId18"/>
-    <p:sldId id="325" r:id="rId19"/>
-    <p:sldId id="319" r:id="rId20"/>
+    <p:sldId id="326" r:id="rId17"/>
+    <p:sldId id="327" r:id="rId18"/>
+    <p:sldId id="329" r:id="rId19"/>
+    <p:sldId id="328" r:id="rId20"/>
+    <p:sldId id="330" r:id="rId21"/>
+    <p:sldId id="331" r:id="rId22"/>
+    <p:sldId id="332" r:id="rId23"/>
+    <p:sldId id="334" r:id="rId24"/>
+    <p:sldId id="333" r:id="rId25"/>
+    <p:sldId id="323" r:id="rId26"/>
+    <p:sldId id="325" r:id="rId27"/>
+    <p:sldId id="319" r:id="rId28"/>
   </p:sldIdLst>
   <p:sldSz cx="12192000" cy="6858000"/>
   <p:notesSz cx="6858000" cy="9144000"/>
@@ -113,12 +121,12 @@
   <p:extLst>
     <p:ext uri="{EFAFB233-063F-42B5-8137-9DF3F51BA10A}">
       <p15:sldGuideLst xmlns:p15="http://schemas.microsoft.com/office/powerpoint/2012/main">
-        <p15:guide id="1" orient="horz" pos="2154" userDrawn="1">
+        <p15:guide id="1" orient="horz" pos="2153" userDrawn="1">
           <p15:clr>
             <a:srgbClr val="A4A3A4"/>
           </p15:clr>
         </p15:guide>
-        <p15:guide id="2" pos="3833" userDrawn="1">
+        <p15:guide id="2" pos="3832" userDrawn="1">
           <p15:clr>
             <a:srgbClr val="A4A3A4"/>
           </p15:clr>
@@ -2697,10 +2705,10 @@
     <p:bg>
       <p:bgPr>
         <a:blipFill rotWithShape="1">
-          <a:blip r:embed="rId2" cstate="print">
+          <a:blip r:embed="rId2" cstate="hqprint">
             <a:extLst>
               <a:ext uri="{28A0092B-C50C-407E-A947-70E740481C1C}">
-                <a14:useLocalDpi xmlns:a14="http://schemas.microsoft.com/office/drawing/2010/main" val="0"/>
+                <a14:useLocalDpi xmlns:a14="http://schemas.microsoft.com/office/drawing/2010/main"/>
               </a:ext>
             </a:extLst>
           </a:blip>
@@ -2988,8 +2996,8 @@
 </p:sld>
 </file>
 
-<file path=ppt/slides/slide2.xml><?xml version="1.0" encoding="utf-8"?>
-<p:sld xmlns:a="http://schemas.openxmlformats.org/drawingml/2006/main" xmlns:r="http://schemas.openxmlformats.org/officeDocument/2006/relationships" xmlns:p="http://schemas.openxmlformats.org/presentationml/2006/main" xmlns:p14="http://schemas.microsoft.com/office/powerpoint/2010/main">
+<file path=ppt/slides/slide10.xml><?xml version="1.0" encoding="utf-8"?>
+<p:sld xmlns:a="http://schemas.openxmlformats.org/drawingml/2006/main" xmlns:r="http://schemas.openxmlformats.org/officeDocument/2006/relationships" xmlns:p="http://schemas.openxmlformats.org/presentationml/2006/main">
   <p:cSld>
     <p:bg>
       <p:bgPr>
@@ -3002,7 +3010,7 @@
             </a:extLst>
           </a:blip>
           <a:stretch>
-            <a:fillRect/>
+            <a:fillRect l="0" t="0" r="0" b="0"/>
           </a:stretch>
         </a:blipFill>
       </p:bgPr>
@@ -3023,70 +3031,7 @@
       </p:grpSpPr>
       <p:sp>
         <p:nvSpPr>
-          <p:cNvPr id="23" name="직사각형 22"/>
-          <p:cNvSpPr>
-            <a:spLocks/>
-          </p:cNvSpPr>
-          <p:nvPr/>
-        </p:nvSpPr>
-        <p:spPr>
-          <a:xfrm>
-            <a:off x="899795" y="501650"/>
-            <a:ext cx="1693545" cy="303530"/>
-          </a:xfrm>
-          <a:prstGeom prst="rect">
-            <a:avLst/>
-          </a:prstGeom>
-          <a:noFill/>
-        </p:spPr>
-        <p:txBody>
-          <a:bodyPr vert="horz" wrap="square" lIns="112395" tIns="56515" rIns="112395" bIns="56515" numCol="1" anchor="t">
-            <a:spAutoFit/>
-          </a:bodyPr>
-          <a:lstStyle/>
-          <a:p>
-            <a:pPr marL="0" indent="0" algn="l" defTabSz="1125220" eaLnBrk="0" fontAlgn="auto" latinLnBrk="0">
-              <a:lnSpc>
-                <a:spcPct val="100000"/>
-              </a:lnSpc>
-              <a:spcBef>
-                <a:spcPts val="0"/>
-              </a:spcBef>
-              <a:spcAft>
-                <a:spcPts val="0"/>
-              </a:spcAft>
-              <a:buFontTx/>
-              <a:buNone/>
-            </a:pPr>
-            <a:r>
-              <a:rPr lang="en-US" altLang="ko-KR" sz="1230" b="0" strike="noStrike" cap="none" dirty="0">
-                <a:solidFill>
-                  <a:schemeClr val="tx1">
-                    <a:lumMod val="65000"/>
-                    <a:lumOff val="35000"/>
-                  </a:schemeClr>
-                </a:solidFill>
-                <a:latin typeface="Arial" charset="0"/>
-                <a:ea typeface="Arial" charset="0"/>
-              </a:rPr>
-              <a:t>INDEX</a:t>
-            </a:r>
-            <a:endParaRPr lang="ko-KR" altLang="en-US" sz="1230" b="0" strike="noStrike" cap="none" dirty="0">
-              <a:solidFill>
-                <a:schemeClr val="tx1">
-                  <a:lumMod val="65000"/>
-                  <a:lumOff val="35000"/>
-                </a:schemeClr>
-              </a:solidFill>
-              <a:latin typeface="Arial" charset="0"/>
-              <a:ea typeface="Arial" charset="0"/>
-            </a:endParaRPr>
-          </a:p>
-        </p:txBody>
-      </p:sp>
-      <p:sp>
-        <p:nvSpPr>
-          <p:cNvPr id="7" name="직사각형 6"/>
+          <p:cNvPr id="23" name="Rect 0"/>
           <p:cNvSpPr>
             <a:spLocks/>
           </p:cNvSpPr>
@@ -3094,8 +3039,8 @@
         </p:nvSpPr>
         <p:spPr>
           <a:xfrm rot="0">
-            <a:off x="2431415" y="2145665"/>
-            <a:ext cx="1593215" cy="539115"/>
+            <a:off x="6499225" y="3285490"/>
+            <a:ext cx="4615180" cy="2229485"/>
           </a:xfrm>
           <a:prstGeom prst="rect"/>
           <a:noFill/>
@@ -3106,31 +3051,93 @@
           </a:bodyPr>
           <a:lstStyle/>
           <a:p>
-            <a:pPr marL="0" indent="0" algn="ctr" defTabSz="1125220" eaLnBrk="0" latinLnBrk="0">
-              <a:lnSpc>
-                <a:spcPct val="150000"/>
-              </a:lnSpc>
-              <a:buFontTx/>
-              <a:buNone/>
-            </a:pPr>
-            <a:r>
-              <a:rPr lang="en-US" altLang="ko-KR" sz="1845">
-                <a:solidFill>
-                  <a:schemeClr val="tx1">
-                    <a:lumMod val="65000"/>
-                    <a:lumOff val="35000"/>
-                  </a:schemeClr>
-                </a:solidFill>
-                <a:latin typeface="Arial" charset="0"/>
-                <a:ea typeface="Arial" charset="0"/>
-              </a:rPr>
-              <a:t>게임 개요</a:t>
-            </a:r>
-            <a:endParaRPr lang="ko-KR" altLang="en-US" sz="1845">
-              <a:solidFill>
-                <a:schemeClr val="tx1">
-                  <a:lumMod val="65000"/>
-                  <a:lumOff val="35000"/>
+            <a:pPr marL="0" indent="0" defTabSz="1125220" eaLnBrk="0" latinLnBrk="0">
+              <a:buFontTx/>
+              <a:buNone/>
+            </a:pPr>
+            <a:endParaRPr lang="ko-KR" altLang="en-US" sz="1965">
+              <a:solidFill>
+                <a:srgbClr val="777878"/>
+              </a:solidFill>
+              <a:latin typeface="Arial" charset="0"/>
+              <a:ea typeface="Arial" charset="0"/>
+            </a:endParaRPr>
+          </a:p>
+          <a:p>
+            <a:pPr marL="0" indent="0" defTabSz="1125220" eaLnBrk="0" latinLnBrk="0">
+              <a:buFontTx/>
+              <a:buNone/>
+            </a:pPr>
+            <a:endParaRPr lang="ko-KR" altLang="en-US" sz="1965">
+              <a:solidFill>
+                <a:srgbClr val="777878"/>
+              </a:solidFill>
+              <a:latin typeface="Arial" charset="0"/>
+              <a:ea typeface="Arial" charset="0"/>
+            </a:endParaRPr>
+          </a:p>
+          <a:p>
+            <a:pPr marL="0" indent="0" defTabSz="1125220" eaLnBrk="0" latinLnBrk="0">
+              <a:buFontTx/>
+              <a:buNone/>
+            </a:pPr>
+            <a:endParaRPr lang="ko-KR" altLang="en-US" sz="1965">
+              <a:solidFill>
+                <a:srgbClr val="777878"/>
+              </a:solidFill>
+              <a:latin typeface="Arial" charset="0"/>
+              <a:ea typeface="Arial" charset="0"/>
+            </a:endParaRPr>
+          </a:p>
+          <a:p>
+            <a:pPr marL="0" indent="0" defTabSz="1125220" eaLnBrk="0" latinLnBrk="0">
+              <a:buFontTx/>
+              <a:buNone/>
+            </a:pPr>
+            <a:endParaRPr lang="ko-KR" altLang="en-US" sz="1965">
+              <a:solidFill>
+                <a:srgbClr val="777878"/>
+              </a:solidFill>
+              <a:latin typeface="Arial" charset="0"/>
+              <a:ea typeface="Arial" charset="0"/>
+            </a:endParaRPr>
+          </a:p>
+          <a:p>
+            <a:pPr marL="0" indent="0" defTabSz="1125220" eaLnBrk="0" latinLnBrk="0">
+              <a:buFontTx/>
+              <a:buNone/>
+            </a:pPr>
+            <a:endParaRPr lang="ko-KR" altLang="en-US" sz="1965">
+              <a:solidFill>
+                <a:srgbClr val="777878"/>
+              </a:solidFill>
+              <a:latin typeface="Arial" charset="0"/>
+              <a:ea typeface="Arial" charset="0"/>
+            </a:endParaRPr>
+          </a:p>
+          <a:p>
+            <a:pPr marL="0" indent="0" defTabSz="1125220" eaLnBrk="0" latinLnBrk="0">
+              <a:buFontTx/>
+              <a:buNone/>
+            </a:pPr>
+            <a:endParaRPr lang="ko-KR" altLang="en-US" sz="1965">
+              <a:solidFill>
+                <a:srgbClr val="777878"/>
+              </a:solidFill>
+              <a:latin typeface="맑은 고딕" charset="0"/>
+              <a:ea typeface="맑은 고딕" charset="0"/>
+            </a:endParaRPr>
+          </a:p>
+          <a:p>
+            <a:pPr marL="0" indent="0" defTabSz="1125220" eaLnBrk="0" latinLnBrk="0">
+              <a:buFontTx/>
+              <a:buNone/>
+            </a:pPr>
+            <a:endParaRPr lang="ko-KR" altLang="en-US" sz="1965">
+              <a:solidFill>
+                <a:schemeClr val="bg2">
+                  <a:lumMod val="50000"/>
+                  <a:lumOff val="0"/>
                 </a:schemeClr>
               </a:solidFill>
               <a:latin typeface="Arial" charset="0"/>
@@ -3139,457 +3146,7 @@
           </a:p>
         </p:txBody>
       </p:sp>
-      <p:sp>
-        <p:nvSpPr>
-          <p:cNvPr id="8" name="타원 7"/>
-          <p:cNvSpPr/>
-          <p:nvPr/>
-        </p:nvSpPr>
-        <p:spPr>
-          <a:xfrm>
-            <a:off x="2247900" y="1443355"/>
-            <a:ext cx="1941830" cy="1941830"/>
-          </a:xfrm>
-          <a:prstGeom prst="ellipse">
-            <a:avLst/>
-          </a:prstGeom>
-          <a:noFill/>
-          <a:ln w="12700">
-            <a:solidFill>
-              <a:schemeClr val="bg1">
-                <a:lumMod val="85000"/>
-              </a:schemeClr>
-            </a:solidFill>
-            <a:prstDash val="solid"/>
-          </a:ln>
-        </p:spPr>
-        <p:style>
-          <a:lnRef idx="2">
-            <a:schemeClr val="accent1">
-              <a:shade val="50000"/>
-            </a:schemeClr>
-          </a:lnRef>
-          <a:fillRef idx="1">
-            <a:schemeClr val="accent1"/>
-          </a:fillRef>
-          <a:effectRef idx="0">
-            <a:schemeClr val="accent1"/>
-          </a:effectRef>
-          <a:fontRef idx="minor">
-            <a:schemeClr val="lt1"/>
-          </a:fontRef>
-        </p:style>
-        <p:txBody>
-          <a:bodyPr vert="horz" wrap="square" lIns="112542" tIns="56271" rIns="112542" bIns="56271" numCol="1" anchor="ctr">
-            <a:noAutofit/>
-          </a:bodyPr>
-          <a:lstStyle/>
-          <a:p>
-            <a:pPr algn="ctr" defTabSz="1125444" eaLnBrk="0"/>
-            <a:endParaRPr lang="ko-KR" altLang="en-US" sz="2215" dirty="0">
-              <a:solidFill>
-                <a:srgbClr val="FFFFFF"/>
-              </a:solidFill>
-              <a:latin typeface="Arial" charset="0"/>
-              <a:ea typeface="Arial" charset="0"/>
-            </a:endParaRPr>
-          </a:p>
-        </p:txBody>
-      </p:sp>
-      <p:sp>
-        <p:nvSpPr>
-          <p:cNvPr id="9" name="타원 8"/>
-          <p:cNvSpPr/>
-          <p:nvPr/>
-        </p:nvSpPr>
-        <p:spPr>
-          <a:xfrm>
-            <a:off x="4215130" y="2181860"/>
-            <a:ext cx="1941830" cy="1941830"/>
-          </a:xfrm>
-          <a:prstGeom prst="ellipse">
-            <a:avLst/>
-          </a:prstGeom>
-          <a:noFill/>
-          <a:ln w="19050">
-            <a:solidFill>
-              <a:schemeClr val="bg1">
-                <a:lumMod val="65000"/>
-              </a:schemeClr>
-            </a:solidFill>
-            <a:prstDash val="sysDot"/>
-          </a:ln>
-        </p:spPr>
-        <p:style>
-          <a:lnRef idx="2">
-            <a:schemeClr val="accent1">
-              <a:shade val="50000"/>
-            </a:schemeClr>
-          </a:lnRef>
-          <a:fillRef idx="1">
-            <a:schemeClr val="accent1"/>
-          </a:fillRef>
-          <a:effectRef idx="0">
-            <a:schemeClr val="accent1"/>
-          </a:effectRef>
-          <a:fontRef idx="minor">
-            <a:schemeClr val="lt1"/>
-          </a:fontRef>
-        </p:style>
-        <p:txBody>
-          <a:bodyPr vert="horz" wrap="square" lIns="112542" tIns="56271" rIns="112542" bIns="56271" numCol="1" anchor="ctr">
-            <a:noAutofit/>
-          </a:bodyPr>
-          <a:lstStyle/>
-          <a:p>
-            <a:pPr algn="ctr" defTabSz="1125444" eaLnBrk="0"/>
-            <a:endParaRPr lang="ko-KR" altLang="en-US" sz="2215" dirty="0">
-              <a:solidFill>
-                <a:srgbClr val="FFFFFF"/>
-              </a:solidFill>
-              <a:latin typeface="Arial" charset="0"/>
-              <a:ea typeface="Arial" charset="0"/>
-            </a:endParaRPr>
-          </a:p>
-        </p:txBody>
-      </p:sp>
-      <p:sp>
-        <p:nvSpPr>
-          <p:cNvPr id="10" name="타원 9"/>
-          <p:cNvSpPr/>
-          <p:nvPr/>
-        </p:nvSpPr>
-        <p:spPr>
-          <a:xfrm>
-            <a:off x="6188075" y="1424940"/>
-            <a:ext cx="1941830" cy="1941830"/>
-          </a:xfrm>
-          <a:prstGeom prst="ellipse">
-            <a:avLst/>
-          </a:prstGeom>
-          <a:noFill/>
-          <a:ln w="12700">
-            <a:solidFill>
-              <a:schemeClr val="bg1">
-                <a:lumMod val="85000"/>
-              </a:schemeClr>
-            </a:solidFill>
-            <a:prstDash val="solid"/>
-          </a:ln>
-        </p:spPr>
-        <p:style>
-          <a:lnRef idx="2">
-            <a:schemeClr val="accent1">
-              <a:shade val="50000"/>
-            </a:schemeClr>
-          </a:lnRef>
-          <a:fillRef idx="1">
-            <a:schemeClr val="accent1"/>
-          </a:fillRef>
-          <a:effectRef idx="0">
-            <a:schemeClr val="accent1"/>
-          </a:effectRef>
-          <a:fontRef idx="minor">
-            <a:schemeClr val="lt1"/>
-          </a:fontRef>
-        </p:style>
-        <p:txBody>
-          <a:bodyPr vert="horz" wrap="square" lIns="112542" tIns="56271" rIns="112542" bIns="56271" numCol="1" anchor="ctr">
-            <a:noAutofit/>
-          </a:bodyPr>
-          <a:lstStyle/>
-          <a:p>
-            <a:pPr algn="ctr" defTabSz="1125444" eaLnBrk="0"/>
-            <a:endParaRPr lang="ko-KR" altLang="en-US" sz="2215" dirty="0">
-              <a:solidFill>
-                <a:srgbClr val="FFFFFF"/>
-              </a:solidFill>
-              <a:latin typeface="Arial" charset="0"/>
-              <a:ea typeface="Arial" charset="0"/>
-            </a:endParaRPr>
-          </a:p>
-        </p:txBody>
-      </p:sp>
-      <p:sp>
-        <p:nvSpPr>
-          <p:cNvPr id="14" name="타원 13"/>
-          <p:cNvSpPr/>
-          <p:nvPr/>
-        </p:nvSpPr>
-        <p:spPr>
-          <a:xfrm>
-            <a:off x="8161655" y="2163445"/>
-            <a:ext cx="1941830" cy="1941830"/>
-          </a:xfrm>
-          <a:prstGeom prst="ellipse">
-            <a:avLst/>
-          </a:prstGeom>
-          <a:noFill/>
-          <a:ln w="19050">
-            <a:solidFill>
-              <a:schemeClr val="bg1">
-                <a:lumMod val="65000"/>
-              </a:schemeClr>
-            </a:solidFill>
-            <a:prstDash val="sysDot"/>
-          </a:ln>
-        </p:spPr>
-        <p:style>
-          <a:lnRef idx="2">
-            <a:schemeClr val="accent1">
-              <a:shade val="50000"/>
-            </a:schemeClr>
-          </a:lnRef>
-          <a:fillRef idx="1">
-            <a:schemeClr val="accent1"/>
-          </a:fillRef>
-          <a:effectRef idx="0">
-            <a:schemeClr val="accent1"/>
-          </a:effectRef>
-          <a:fontRef idx="minor">
-            <a:schemeClr val="lt1"/>
-          </a:fontRef>
-        </p:style>
-        <p:txBody>
-          <a:bodyPr vert="horz" wrap="square" lIns="112542" tIns="56271" rIns="112542" bIns="56271" numCol="1" anchor="ctr">
-            <a:noAutofit/>
-          </a:bodyPr>
-          <a:lstStyle/>
-          <a:p>
-            <a:pPr algn="ctr" defTabSz="1125444" eaLnBrk="0"/>
-            <a:endParaRPr lang="ko-KR" altLang="en-US" sz="2215" dirty="0">
-              <a:solidFill>
-                <a:srgbClr val="FFFFFF"/>
-              </a:solidFill>
-              <a:latin typeface="Arial" charset="0"/>
-              <a:ea typeface="Arial" charset="0"/>
-            </a:endParaRPr>
-          </a:p>
-        </p:txBody>
-      </p:sp>
-      <p:sp>
-        <p:nvSpPr>
-          <p:cNvPr id="15" name="직사각형 14"/>
-          <p:cNvSpPr>
-            <a:spLocks/>
-          </p:cNvSpPr>
-          <p:nvPr/>
-        </p:nvSpPr>
-        <p:spPr>
-          <a:xfrm rot="0">
-            <a:off x="4372610" y="2808605"/>
-            <a:ext cx="1593215" cy="539115"/>
-          </a:xfrm>
-          <a:prstGeom prst="rect"/>
-          <a:noFill/>
-        </p:spPr>
-        <p:txBody>
-          <a:bodyPr wrap="square" lIns="112395" tIns="56515" rIns="112395" bIns="56515" numCol="1" vert="horz" anchor="t">
-            <a:spAutoFit/>
-          </a:bodyPr>
-          <a:lstStyle/>
-          <a:p>
-            <a:pPr marL="0" indent="0" algn="ctr" defTabSz="1125220" eaLnBrk="0" latinLnBrk="0">
-              <a:lnSpc>
-                <a:spcPct val="150000"/>
-              </a:lnSpc>
-              <a:buFontTx/>
-              <a:buNone/>
-            </a:pPr>
-            <a:r>
-              <a:rPr lang="en-US" altLang="ko-KR" sz="1845">
-                <a:solidFill>
-                  <a:schemeClr val="tx1">
-                    <a:lumMod val="65000"/>
-                    <a:lumOff val="35000"/>
-                  </a:schemeClr>
-                </a:solidFill>
-                <a:latin typeface="Arial" charset="0"/>
-                <a:ea typeface="Arial" charset="0"/>
-              </a:rPr>
-              <a:t>시스템</a:t>
-            </a:r>
-            <a:endParaRPr lang="ko-KR" altLang="en-US" sz="1845">
-              <a:solidFill>
-                <a:schemeClr val="tx1">
-                  <a:lumMod val="65000"/>
-                  <a:lumOff val="35000"/>
-                </a:schemeClr>
-              </a:solidFill>
-              <a:latin typeface="Arial" charset="0"/>
-              <a:ea typeface="Arial" charset="0"/>
-            </a:endParaRPr>
-          </a:p>
-        </p:txBody>
-      </p:sp>
-      <p:sp>
-        <p:nvSpPr>
-          <p:cNvPr id="16" name="직사각형 15"/>
-          <p:cNvSpPr>
-            <a:spLocks/>
-          </p:cNvSpPr>
-          <p:nvPr/>
-        </p:nvSpPr>
-        <p:spPr>
-          <a:xfrm rot="0">
-            <a:off x="6361430" y="2153920"/>
-            <a:ext cx="1593215" cy="539115"/>
-          </a:xfrm>
-          <a:prstGeom prst="rect"/>
-          <a:noFill/>
-        </p:spPr>
-        <p:txBody>
-          <a:bodyPr wrap="square" lIns="112395" tIns="56515" rIns="112395" bIns="56515" numCol="1" vert="horz" anchor="t">
-            <a:spAutoFit/>
-          </a:bodyPr>
-          <a:lstStyle/>
-          <a:p>
-            <a:pPr marL="0" indent="0" algn="ctr" defTabSz="1125220" eaLnBrk="0" latinLnBrk="0">
-              <a:lnSpc>
-                <a:spcPct val="150000"/>
-              </a:lnSpc>
-              <a:buFontTx/>
-              <a:buNone/>
-            </a:pPr>
-            <a:r>
-              <a:rPr lang="en-US" altLang="ko-KR" sz="1845">
-                <a:solidFill>
-                  <a:schemeClr val="tx1">
-                    <a:lumMod val="65000"/>
-                    <a:lumOff val="35000"/>
-                  </a:schemeClr>
-                </a:solidFill>
-                <a:latin typeface="Arial" charset="0"/>
-                <a:ea typeface="Arial" charset="0"/>
-              </a:rPr>
-              <a:t>그래픽</a:t>
-            </a:r>
-            <a:endParaRPr lang="ko-KR" altLang="en-US" sz="1845">
-              <a:solidFill>
-                <a:schemeClr val="tx1">
-                  <a:lumMod val="65000"/>
-                  <a:lumOff val="35000"/>
-                </a:schemeClr>
-              </a:solidFill>
-              <a:latin typeface="Arial" charset="0"/>
-              <a:ea typeface="Arial" charset="0"/>
-            </a:endParaRPr>
-          </a:p>
-        </p:txBody>
-      </p:sp>
-      <p:sp>
-        <p:nvSpPr>
-          <p:cNvPr id="17" name="직사각형 16"/>
-          <p:cNvSpPr/>
-          <p:nvPr/>
-        </p:nvSpPr>
-        <p:spPr>
-          <a:xfrm>
-            <a:off x="8340090" y="2767330"/>
-            <a:ext cx="1593215" cy="539115"/>
-          </a:xfrm>
-          <a:prstGeom prst="rect">
-            <a:avLst/>
-          </a:prstGeom>
-          <a:noFill/>
-        </p:spPr>
-        <p:txBody>
-          <a:bodyPr wrap="square" lIns="112395" tIns="56515" rIns="112395" bIns="56515" numCol="1" vert="horz" anchor="t">
-            <a:spAutoFit/>
-          </a:bodyPr>
-          <a:lstStyle/>
-          <a:p>
-            <a:pPr marL="0" indent="0" algn="ctr" defTabSz="1125220" eaLnBrk="0" latinLnBrk="0">
-              <a:lnSpc>
-                <a:spcPct val="150000"/>
-              </a:lnSpc>
-              <a:buFontTx/>
-              <a:buNone/>
-            </a:pPr>
-            <a:endParaRPr lang="ko-KR" altLang="en-US" sz="1845">
-              <a:solidFill>
-                <a:schemeClr val="tx1">
-                  <a:lumMod val="65000"/>
-                  <a:lumOff val="35000"/>
-                </a:schemeClr>
-              </a:solidFill>
-              <a:latin typeface="Arial" charset="0"/>
-              <a:ea typeface="Arial" charset="0"/>
-            </a:endParaRPr>
-          </a:p>
-        </p:txBody>
-      </p:sp>
-      <p:sp>
-        <p:nvSpPr>
-          <p:cNvPr id="24" name="직사각형 23"/>
-          <p:cNvSpPr>
-            <a:spLocks/>
-          </p:cNvSpPr>
-          <p:nvPr/>
-        </p:nvSpPr>
-        <p:spPr>
-          <a:xfrm>
-            <a:off x="3705225" y="4935220"/>
-            <a:ext cx="4899660" cy="643890"/>
-          </a:xfrm>
-          <a:prstGeom prst="rect">
-            <a:avLst/>
-          </a:prstGeom>
-          <a:noFill/>
-        </p:spPr>
-        <p:txBody>
-          <a:bodyPr vert="horz" wrap="square" lIns="112542" tIns="56271" rIns="112542" bIns="56271" numCol="1" anchor="t">
-            <a:spAutoFit/>
-          </a:bodyPr>
-          <a:lstStyle/>
-          <a:p>
-            <a:pPr algn="ctr" defTabSz="1125444" eaLnBrk="0"/>
-            <a:r>
-              <a:rPr lang="en-US" altLang="ko-KR" sz="1723" dirty="0">
-                <a:solidFill>
-                  <a:srgbClr val="777878"/>
-                </a:solidFill>
-                <a:latin typeface="Arial" charset="0"/>
-                <a:ea typeface="Arial" charset="0"/>
-              </a:rPr>
-              <a:t>Lorem ipsum dolor sit amet, consecte </a:t>
-            </a:r>
-            <a:endParaRPr lang="ko-KR" altLang="en-US" sz="1723" dirty="0">
-              <a:solidFill>
-                <a:srgbClr val="777878"/>
-              </a:solidFill>
-              <a:latin typeface="Arial" charset="0"/>
-              <a:ea typeface="Arial" charset="0"/>
-            </a:endParaRPr>
-          </a:p>
-          <a:p>
-            <a:pPr algn="ctr" defTabSz="1125444" eaLnBrk="0"/>
-            <a:r>
-              <a:rPr lang="en-US" altLang="ko-KR" sz="1723" dirty="0">
-                <a:solidFill>
-                  <a:srgbClr val="777878"/>
-                </a:solidFill>
-                <a:latin typeface="Arial" charset="0"/>
-                <a:ea typeface="Arial" charset="0"/>
-              </a:rPr>
-              <a:t>adipiscing elit. malesuada laoreet.</a:t>
-            </a:r>
-            <a:endParaRPr lang="ko-KR" altLang="en-US" sz="1723" dirty="0">
-              <a:solidFill>
-                <a:srgbClr val="777878"/>
-              </a:solidFill>
-              <a:latin typeface="Arial" charset="0"/>
-              <a:ea typeface="Arial" charset="0"/>
-            </a:endParaRPr>
-          </a:p>
-        </p:txBody>
-      </p:sp>
     </p:spTree>
-    <p:extLst>
-      <p:ext uri="{BB962C8B-B14F-4D97-AF65-F5344CB8AC3E}">
-        <p14:creationId xmlns:p14="http://schemas.microsoft.com/office/powerpoint/2010/main" val="1862853301"/>
-      </p:ext>
-    </p:extLst>
   </p:cSld>
   <p:clrMapOvr>
     <a:masterClrMapping/>
@@ -3612,8 +3169,8 @@
 </p:sld>
 </file>
 
-<file path=ppt/slides/slide3.xml><?xml version="1.0" encoding="utf-8"?>
-<p:sld xmlns:a="http://schemas.openxmlformats.org/drawingml/2006/main" xmlns:r="http://schemas.openxmlformats.org/officeDocument/2006/relationships" xmlns:p="http://schemas.openxmlformats.org/presentationml/2006/main" xmlns:p14="http://schemas.microsoft.com/office/powerpoint/2010/main">
+<file path=ppt/slides/slide11.xml><?xml version="1.0" encoding="utf-8"?>
+<p:sld xmlns:a="http://schemas.openxmlformats.org/drawingml/2006/main" xmlns:r="http://schemas.openxmlformats.org/officeDocument/2006/relationships" xmlns:p="http://schemas.openxmlformats.org/presentationml/2006/main">
   <p:cSld>
     <p:bg>
       <p:bgPr>
@@ -3626,7 +3183,7 @@
             </a:extLst>
           </a:blip>
           <a:stretch>
-            <a:fillRect/>
+            <a:fillRect l="0" t="0" r="0" b="0"/>
           </a:stretch>
         </a:blipFill>
       </p:bgPr>
@@ -3647,7 +3204,7 @@
       </p:grpSpPr>
       <p:sp>
         <p:nvSpPr>
-          <p:cNvPr id="13" name="직사각형 12"/>
+          <p:cNvPr id="23" name="Rect 0"/>
           <p:cNvSpPr>
             <a:spLocks/>
           </p:cNvSpPr>
@@ -3655,8 +3212,8 @@
         </p:nvSpPr>
         <p:spPr>
           <a:xfrm rot="0">
-            <a:off x="908685" y="2171700"/>
-            <a:ext cx="4614545" cy="3136265"/>
+            <a:off x="6499225" y="3285490"/>
+            <a:ext cx="4615180" cy="2229485"/>
           </a:xfrm>
           <a:prstGeom prst="rect"/>
           <a:noFill/>
@@ -3671,88 +3228,19 @@
               <a:buFontTx/>
               <a:buNone/>
             </a:pPr>
-            <a:r>
-              <a:rPr lang="en-US" altLang="ko-KR" sz="1965">
-                <a:solidFill>
-                  <a:srgbClr val="777878"/>
-                </a:solidFill>
-                <a:latin typeface="Arial" charset="0"/>
-                <a:ea typeface="Arial" charset="0"/>
-              </a:rPr>
-              <a:t>제목 	- Daemonis</a:t>
-            </a:r>
-            <a:endParaRPr lang="ko-KR" altLang="en-US" sz="1965">
-              <a:solidFill>
-                <a:srgbClr val="777878"/>
-              </a:solidFill>
-              <a:latin typeface="Arial" charset="0"/>
-              <a:ea typeface="Arial" charset="0"/>
-            </a:endParaRPr>
-          </a:p>
-          <a:p>
-            <a:pPr marL="0" indent="0" defTabSz="1125220" eaLnBrk="0" latinLnBrk="0">
-              <a:buFontTx/>
-              <a:buNone/>
-            </a:pPr>
-            <a:endParaRPr lang="ko-KR" altLang="en-US" sz="1965">
-              <a:solidFill>
-                <a:srgbClr val="777878"/>
-              </a:solidFill>
-              <a:latin typeface="Arial" charset="0"/>
-              <a:ea typeface="Arial" charset="0"/>
-            </a:endParaRPr>
-          </a:p>
-          <a:p>
-            <a:pPr marL="0" indent="0" defTabSz="1125220" eaLnBrk="0" latinLnBrk="0">
-              <a:buFontTx/>
-              <a:buNone/>
-            </a:pPr>
-            <a:r>
-              <a:rPr lang="en-US" altLang="ko-KR" sz="1965">
-                <a:solidFill>
-                  <a:srgbClr val="777878"/>
-                </a:solidFill>
-                <a:latin typeface="Arial" charset="0"/>
-                <a:ea typeface="Arial" charset="0"/>
-              </a:rPr>
-              <a:t>플랫폼 	- 모바일</a:t>
-            </a:r>
-            <a:endParaRPr lang="ko-KR" altLang="en-US" sz="1965">
-              <a:solidFill>
-                <a:srgbClr val="777878"/>
-              </a:solidFill>
-              <a:latin typeface="Arial" charset="0"/>
-              <a:ea typeface="Arial" charset="0"/>
-            </a:endParaRPr>
-          </a:p>
-          <a:p>
-            <a:pPr marL="0" indent="0" defTabSz="1125220" eaLnBrk="0" latinLnBrk="0">
-              <a:buFontTx/>
-              <a:buNone/>
-            </a:pPr>
-            <a:endParaRPr lang="ko-KR" altLang="en-US" sz="1965">
-              <a:solidFill>
-                <a:srgbClr val="777878"/>
-              </a:solidFill>
-              <a:latin typeface="Arial" charset="0"/>
-              <a:ea typeface="Arial" charset="0"/>
-            </a:endParaRPr>
-          </a:p>
-          <a:p>
-            <a:pPr marL="0" indent="0" defTabSz="1125220" eaLnBrk="0" latinLnBrk="0">
-              <a:buFontTx/>
-              <a:buNone/>
-            </a:pPr>
-            <a:r>
-              <a:rPr lang="en-US" altLang="ko-KR" sz="1965">
-                <a:solidFill>
-                  <a:srgbClr val="777878"/>
-                </a:solidFill>
-                <a:latin typeface="Arial" charset="0"/>
-                <a:ea typeface="Arial" charset="0"/>
-              </a:rPr>
-              <a:t>장르 	- 2D 탑다운 핵앤슬래시 RPG</a:t>
-            </a:r>
+            <a:endParaRPr lang="ko-KR" altLang="en-US" sz="1965">
+              <a:solidFill>
+                <a:srgbClr val="777878"/>
+              </a:solidFill>
+              <a:latin typeface="Arial" charset="0"/>
+              <a:ea typeface="Arial" charset="0"/>
+            </a:endParaRPr>
+          </a:p>
+          <a:p>
+            <a:pPr marL="0" indent="0" defTabSz="1125220" eaLnBrk="0" latinLnBrk="0">
+              <a:buFontTx/>
+              <a:buNone/>
+            </a:pPr>
             <a:endParaRPr lang="ko-KR" altLang="en-US" sz="1965">
               <a:solidFill>
                 <a:srgbClr val="777878"/>
@@ -3831,148 +3319,7 @@
           </a:p>
         </p:txBody>
       </p:sp>
-      <p:sp>
-        <p:nvSpPr>
-          <p:cNvPr id="17" name="직사각형 16"/>
-          <p:cNvSpPr>
-            <a:spLocks/>
-          </p:cNvSpPr>
-          <p:nvPr/>
-        </p:nvSpPr>
-        <p:spPr>
-          <a:xfrm rot="0">
-            <a:off x="2922270" y="-1097280"/>
-            <a:ext cx="4900295" cy="493395"/>
-          </a:xfrm>
-          <a:prstGeom prst="rect"/>
-          <a:noFill/>
-        </p:spPr>
-        <p:txBody>
-          <a:bodyPr wrap="square" lIns="112395" tIns="56515" rIns="112395" bIns="56515" numCol="1" vert="horz" anchor="t">
-            <a:spAutoFit/>
-          </a:bodyPr>
-          <a:lstStyle/>
-          <a:p>
-            <a:pPr marL="0" indent="0" algn="ctr" defTabSz="1125220" eaLnBrk="0" latinLnBrk="0">
-              <a:buFontTx/>
-              <a:buNone/>
-            </a:pPr>
-            <a:r>
-              <a:rPr lang="en-US" altLang="ko-KR" sz="2460">
-                <a:solidFill>
-                  <a:srgbClr val="777878"/>
-                </a:solidFill>
-                <a:latin typeface="Arial" charset="0"/>
-                <a:ea typeface="Arial" charset="0"/>
-              </a:rPr>
-              <a:t>CONTENTS</a:t>
-            </a:r>
-            <a:endParaRPr lang="ko-KR" altLang="en-US" sz="2460">
-              <a:solidFill>
-                <a:srgbClr val="777878"/>
-              </a:solidFill>
-              <a:latin typeface="Arial" charset="0"/>
-              <a:ea typeface="Arial" charset="0"/>
-            </a:endParaRPr>
-          </a:p>
-        </p:txBody>
-      </p:sp>
-      <p:sp>
-        <p:nvSpPr>
-          <p:cNvPr id="21" name="직사각형 20"/>
-          <p:cNvSpPr>
-            <a:spLocks/>
-          </p:cNvSpPr>
-          <p:nvPr/>
-        </p:nvSpPr>
-        <p:spPr>
-          <a:xfrm rot="0">
-            <a:off x="899795" y="501650"/>
-            <a:ext cx="1694180" cy="302895"/>
-          </a:xfrm>
-          <a:prstGeom prst="rect"/>
-          <a:noFill/>
-        </p:spPr>
-        <p:txBody>
-          <a:bodyPr wrap="square" lIns="112395" tIns="56515" rIns="112395" bIns="56515" numCol="1" vert="horz" anchor="t">
-            <a:spAutoFit/>
-          </a:bodyPr>
-          <a:lstStyle/>
-          <a:p>
-            <a:pPr marL="0" indent="0" algn="l" fontAlgn="auto" defTabSz="1125220" eaLnBrk="0" latinLnBrk="0">
-              <a:lnSpc>
-                <a:spcPct val="100000"/>
-              </a:lnSpc>
-              <a:spcBef>
-                <a:spcPts val="0"/>
-              </a:spcBef>
-              <a:spcAft>
-                <a:spcPts val="0"/>
-              </a:spcAft>
-              <a:buFontTx/>
-              <a:buNone/>
-            </a:pPr>
-            <a:r>
-              <a:rPr lang="en-US" altLang="ko-KR" sz="1230" cap="none" b="0" strike="noStrike">
-                <a:solidFill>
-                  <a:schemeClr val="tx1">
-                    <a:lumMod val="65000"/>
-                    <a:lumOff val="35000"/>
-                  </a:schemeClr>
-                </a:solidFill>
-                <a:latin typeface="맑은 고딕" charset="0"/>
-                <a:ea typeface="맑은 고딕" charset="0"/>
-              </a:rPr>
-              <a:t>게임 소개</a:t>
-            </a:r>
-            <a:endParaRPr lang="ko-KR" altLang="en-US" sz="1230" cap="none" b="0" strike="noStrike">
-              <a:solidFill>
-                <a:schemeClr val="tx1">
-                  <a:lumMod val="65000"/>
-                  <a:lumOff val="35000"/>
-                </a:schemeClr>
-              </a:solidFill>
-              <a:latin typeface="맑은 고딕" charset="0"/>
-              <a:ea typeface="맑은 고딕" charset="0"/>
-            </a:endParaRPr>
-          </a:p>
-        </p:txBody>
-      </p:sp>
-      <p:pic>
-        <p:nvPicPr>
-          <p:cNvPr id="22" name="그림 1" descr="C:/Users/lionk/AppData/Roaming/PolarisOffice/ETemp/13052_14017032/fImage390066641.png"/>
-          <p:cNvPicPr>
-            <a:picLocks noChangeAspect="1"/>
-          </p:cNvPicPr>
-          <p:nvPr/>
-        </p:nvPicPr>
-        <p:blipFill rotWithShape="1">
-          <a:blip r:embed="rId3" cstate="print">
-            <a:extLst>
-              <a:ext uri="{28A0092B-C50C-407E-A947-70E740481C1C}">
-                <a14:useLocalDpi xmlns:a14="http://schemas.microsoft.com/office/drawing/2010/main" val="0"/>
-              </a:ext>
-            </a:extLst>
-          </a:blip>
-          <a:stretch>
-            <a:fillRect/>
-          </a:stretch>
-        </p:blipFill>
-        <p:spPr>
-          <a:xfrm rot="0">
-            <a:off x="4322445" y="1243965"/>
-            <a:ext cx="3547110" cy="929005"/>
-          </a:xfrm>
-          <a:prstGeom prst="rect"/>
-          <a:noFill/>
-        </p:spPr>
-      </p:pic>
     </p:spTree>
-    <p:extLst>
-      <p:ext uri="{BB962C8B-B14F-4D97-AF65-F5344CB8AC3E}">
-        <p14:creationId xmlns:p14="http://schemas.microsoft.com/office/powerpoint/2010/main" val="3724144136"/>
-      </p:ext>
-    </p:extLst>
   </p:cSld>
   <p:clrMapOvr>
     <a:masterClrMapping/>
@@ -3995,8 +3342,8 @@
 </p:sld>
 </file>
 
-<file path=ppt/slides/slide4.xml><?xml version="1.0" encoding="utf-8"?>
-<p:sld xmlns:a="http://schemas.openxmlformats.org/drawingml/2006/main" xmlns:r="http://schemas.openxmlformats.org/officeDocument/2006/relationships" xmlns:p="http://schemas.openxmlformats.org/presentationml/2006/main" xmlns:p14="http://schemas.microsoft.com/office/powerpoint/2010/main">
+<file path=ppt/slides/slide12.xml><?xml version="1.0" encoding="utf-8"?>
+<p:sld xmlns:a="http://schemas.openxmlformats.org/drawingml/2006/main" xmlns:r="http://schemas.openxmlformats.org/officeDocument/2006/relationships" xmlns:p="http://schemas.openxmlformats.org/presentationml/2006/main">
   <p:cSld>
     <p:bg>
       <p:bgPr>
@@ -4009,7 +3356,7 @@
             </a:extLst>
           </a:blip>
           <a:stretch>
-            <a:fillRect/>
+            <a:fillRect l="0" t="0" r="0" b="0"/>
           </a:stretch>
         </a:blipFill>
       </p:bgPr>
@@ -4030,7 +3377,7 @@
       </p:grpSpPr>
       <p:sp>
         <p:nvSpPr>
-          <p:cNvPr id="13" name="직사각형 12"/>
+          <p:cNvPr id="23" name="Rect 0"/>
           <p:cNvSpPr>
             <a:spLocks/>
           </p:cNvSpPr>
@@ -4038,8 +3385,8 @@
         </p:nvSpPr>
         <p:spPr>
           <a:xfrm rot="0">
-            <a:off x="908685" y="2171700"/>
-            <a:ext cx="4614545" cy="3136265"/>
+            <a:off x="6499225" y="3285490"/>
+            <a:ext cx="4615180" cy="2229485"/>
           </a:xfrm>
           <a:prstGeom prst="rect"/>
           <a:noFill/>
@@ -4054,88 +3401,19 @@
               <a:buFontTx/>
               <a:buNone/>
             </a:pPr>
-            <a:r>
-              <a:rPr lang="en-US" altLang="ko-KR" sz="1965">
-                <a:solidFill>
-                  <a:srgbClr val="777878"/>
-                </a:solidFill>
-                <a:latin typeface="Arial" charset="0"/>
-                <a:ea typeface="Arial" charset="0"/>
-              </a:rPr>
-              <a:t>제목 	- Daemonis</a:t>
-            </a:r>
-            <a:endParaRPr lang="ko-KR" altLang="en-US" sz="1965">
-              <a:solidFill>
-                <a:srgbClr val="777878"/>
-              </a:solidFill>
-              <a:latin typeface="Arial" charset="0"/>
-              <a:ea typeface="Arial" charset="0"/>
-            </a:endParaRPr>
-          </a:p>
-          <a:p>
-            <a:pPr marL="0" indent="0" defTabSz="1125220" eaLnBrk="0" latinLnBrk="0">
-              <a:buFontTx/>
-              <a:buNone/>
-            </a:pPr>
-            <a:endParaRPr lang="ko-KR" altLang="en-US" sz="1965">
-              <a:solidFill>
-                <a:srgbClr val="777878"/>
-              </a:solidFill>
-              <a:latin typeface="Arial" charset="0"/>
-              <a:ea typeface="Arial" charset="0"/>
-            </a:endParaRPr>
-          </a:p>
-          <a:p>
-            <a:pPr marL="0" indent="0" defTabSz="1125220" eaLnBrk="0" latinLnBrk="0">
-              <a:buFontTx/>
-              <a:buNone/>
-            </a:pPr>
-            <a:r>
-              <a:rPr lang="en-US" altLang="ko-KR" sz="1965">
-                <a:solidFill>
-                  <a:srgbClr val="777878"/>
-                </a:solidFill>
-                <a:latin typeface="Arial" charset="0"/>
-                <a:ea typeface="Arial" charset="0"/>
-              </a:rPr>
-              <a:t>플랫폼 	- 모바일</a:t>
-            </a:r>
-            <a:endParaRPr lang="ko-KR" altLang="en-US" sz="1965">
-              <a:solidFill>
-                <a:srgbClr val="777878"/>
-              </a:solidFill>
-              <a:latin typeface="Arial" charset="0"/>
-              <a:ea typeface="Arial" charset="0"/>
-            </a:endParaRPr>
-          </a:p>
-          <a:p>
-            <a:pPr marL="0" indent="0" defTabSz="1125220" eaLnBrk="0" latinLnBrk="0">
-              <a:buFontTx/>
-              <a:buNone/>
-            </a:pPr>
-            <a:endParaRPr lang="ko-KR" altLang="en-US" sz="1965">
-              <a:solidFill>
-                <a:srgbClr val="777878"/>
-              </a:solidFill>
-              <a:latin typeface="Arial" charset="0"/>
-              <a:ea typeface="Arial" charset="0"/>
-            </a:endParaRPr>
-          </a:p>
-          <a:p>
-            <a:pPr marL="0" indent="0" defTabSz="1125220" eaLnBrk="0" latinLnBrk="0">
-              <a:buFontTx/>
-              <a:buNone/>
-            </a:pPr>
-            <a:r>
-              <a:rPr lang="en-US" altLang="ko-KR" sz="1965">
-                <a:solidFill>
-                  <a:srgbClr val="777878"/>
-                </a:solidFill>
-                <a:latin typeface="Arial" charset="0"/>
-                <a:ea typeface="Arial" charset="0"/>
-              </a:rPr>
-              <a:t>장르 	- 2D 탑다운 핵앤슬래시 RPG</a:t>
-            </a:r>
+            <a:endParaRPr lang="ko-KR" altLang="en-US" sz="1965">
+              <a:solidFill>
+                <a:srgbClr val="777878"/>
+              </a:solidFill>
+              <a:latin typeface="Arial" charset="0"/>
+              <a:ea typeface="Arial" charset="0"/>
+            </a:endParaRPr>
+          </a:p>
+          <a:p>
+            <a:pPr marL="0" indent="0" defTabSz="1125220" eaLnBrk="0" latinLnBrk="0">
+              <a:buFontTx/>
+              <a:buNone/>
+            </a:pPr>
             <a:endParaRPr lang="ko-KR" altLang="en-US" sz="1965">
               <a:solidFill>
                 <a:srgbClr val="777878"/>
@@ -4214,148 +3492,7 @@
           </a:p>
         </p:txBody>
       </p:sp>
-      <p:sp>
-        <p:nvSpPr>
-          <p:cNvPr id="17" name="직사각형 16"/>
-          <p:cNvSpPr>
-            <a:spLocks/>
-          </p:cNvSpPr>
-          <p:nvPr/>
-        </p:nvSpPr>
-        <p:spPr>
-          <a:xfrm rot="0">
-            <a:off x="2922270" y="-1097280"/>
-            <a:ext cx="4900295" cy="493395"/>
-          </a:xfrm>
-          <a:prstGeom prst="rect"/>
-          <a:noFill/>
-        </p:spPr>
-        <p:txBody>
-          <a:bodyPr wrap="square" lIns="112395" tIns="56515" rIns="112395" bIns="56515" numCol="1" vert="horz" anchor="t">
-            <a:spAutoFit/>
-          </a:bodyPr>
-          <a:lstStyle/>
-          <a:p>
-            <a:pPr marL="0" indent="0" algn="ctr" defTabSz="1125220" eaLnBrk="0" latinLnBrk="0">
-              <a:buFontTx/>
-              <a:buNone/>
-            </a:pPr>
-            <a:r>
-              <a:rPr lang="en-US" altLang="ko-KR" sz="2460">
-                <a:solidFill>
-                  <a:srgbClr val="777878"/>
-                </a:solidFill>
-                <a:latin typeface="Arial" charset="0"/>
-                <a:ea typeface="Arial" charset="0"/>
-              </a:rPr>
-              <a:t>CONTENTS</a:t>
-            </a:r>
-            <a:endParaRPr lang="ko-KR" altLang="en-US" sz="2460">
-              <a:solidFill>
-                <a:srgbClr val="777878"/>
-              </a:solidFill>
-              <a:latin typeface="Arial" charset="0"/>
-              <a:ea typeface="Arial" charset="0"/>
-            </a:endParaRPr>
-          </a:p>
-        </p:txBody>
-      </p:sp>
-      <p:sp>
-        <p:nvSpPr>
-          <p:cNvPr id="21" name="직사각형 20"/>
-          <p:cNvSpPr>
-            <a:spLocks/>
-          </p:cNvSpPr>
-          <p:nvPr/>
-        </p:nvSpPr>
-        <p:spPr>
-          <a:xfrm rot="0">
-            <a:off x="899795" y="501650"/>
-            <a:ext cx="1694180" cy="302895"/>
-          </a:xfrm>
-          <a:prstGeom prst="rect"/>
-          <a:noFill/>
-        </p:spPr>
-        <p:txBody>
-          <a:bodyPr wrap="square" lIns="112395" tIns="56515" rIns="112395" bIns="56515" numCol="1" vert="horz" anchor="t">
-            <a:spAutoFit/>
-          </a:bodyPr>
-          <a:lstStyle/>
-          <a:p>
-            <a:pPr marL="0" indent="0" algn="l" fontAlgn="auto" defTabSz="1125220" eaLnBrk="0" latinLnBrk="0">
-              <a:lnSpc>
-                <a:spcPct val="100000"/>
-              </a:lnSpc>
-              <a:spcBef>
-                <a:spcPts val="0"/>
-              </a:spcBef>
-              <a:spcAft>
-                <a:spcPts val="0"/>
-              </a:spcAft>
-              <a:buFontTx/>
-              <a:buNone/>
-            </a:pPr>
-            <a:r>
-              <a:rPr lang="en-US" altLang="ko-KR" sz="1230" cap="none" b="0" strike="noStrike">
-                <a:solidFill>
-                  <a:schemeClr val="tx1">
-                    <a:lumMod val="65000"/>
-                    <a:lumOff val="35000"/>
-                  </a:schemeClr>
-                </a:solidFill>
-                <a:latin typeface="맑은 고딕" charset="0"/>
-                <a:ea typeface="맑은 고딕" charset="0"/>
-              </a:rPr>
-              <a:t>게임 소개</a:t>
-            </a:r>
-            <a:endParaRPr lang="ko-KR" altLang="en-US" sz="1230" cap="none" b="0" strike="noStrike">
-              <a:solidFill>
-                <a:schemeClr val="tx1">
-                  <a:lumMod val="65000"/>
-                  <a:lumOff val="35000"/>
-                </a:schemeClr>
-              </a:solidFill>
-              <a:latin typeface="맑은 고딕" charset="0"/>
-              <a:ea typeface="맑은 고딕" charset="0"/>
-            </a:endParaRPr>
-          </a:p>
-        </p:txBody>
-      </p:sp>
-      <p:pic>
-        <p:nvPicPr>
-          <p:cNvPr id="22" name="그림 1" descr="C:/Users/lionk/AppData/Roaming/PolarisOffice/ETemp/13052_14017032/fImage390066641.png"/>
-          <p:cNvPicPr>
-            <a:picLocks noChangeAspect="1"/>
-          </p:cNvPicPr>
-          <p:nvPr/>
-        </p:nvPicPr>
-        <p:blipFill rotWithShape="1">
-          <a:blip r:embed="rId3" cstate="print">
-            <a:extLst>
-              <a:ext uri="{28A0092B-C50C-407E-A947-70E740481C1C}">
-                <a14:useLocalDpi xmlns:a14="http://schemas.microsoft.com/office/drawing/2010/main" val="0"/>
-              </a:ext>
-            </a:extLst>
-          </a:blip>
-          <a:stretch>
-            <a:fillRect/>
-          </a:stretch>
-        </p:blipFill>
-        <p:spPr>
-          <a:xfrm rot="0">
-            <a:off x="4322445" y="1243965"/>
-            <a:ext cx="3547110" cy="929005"/>
-          </a:xfrm>
-          <a:prstGeom prst="rect"/>
-          <a:noFill/>
-        </p:spPr>
-      </p:pic>
     </p:spTree>
-    <p:extLst>
-      <p:ext uri="{BB962C8B-B14F-4D97-AF65-F5344CB8AC3E}">
-        <p14:creationId xmlns:p14="http://schemas.microsoft.com/office/powerpoint/2010/main" val="3724144136"/>
-      </p:ext>
-    </p:extLst>
   </p:cSld>
   <p:clrMapOvr>
     <a:masterClrMapping/>
@@ -4378,25 +3515,23 @@
 </p:sld>
 </file>
 
-<file path=ppt/slides/slide5.xml><?xml version="1.0" encoding="utf-8"?>
-<p:sld xmlns:a="http://schemas.openxmlformats.org/drawingml/2006/main" xmlns:r="http://schemas.openxmlformats.org/officeDocument/2006/relationships" xmlns:p="http://schemas.openxmlformats.org/presentationml/2006/main">
+<file path=ppt/slides/slide13.xml><?xml version="1.0" encoding="utf-8"?>
+<p:sld xmlns:a="http://schemas.openxmlformats.org/drawingml/2006/main" xmlns:r="http://schemas.openxmlformats.org/officeDocument/2006/relationships" xmlns:p="http://schemas.openxmlformats.org/presentationml/2006/main" xmlns:p14="http://schemas.microsoft.com/office/powerpoint/2010/main">
   <p:cSld>
     <p:bg>
       <p:bgPr>
         <a:blipFill rotWithShape="1">
-          <a:blip r:embed="rId2">
+          <a:blip r:embed="rId2" cstate="print">
             <a:extLst>
               <a:ext uri="{28A0092B-C50C-407E-A947-70E740481C1C}">
                 <a14:useLocalDpi xmlns:a14="http://schemas.microsoft.com/office/drawing/2010/main" val="0"/>
               </a:ext>
             </a:extLst>
           </a:blip>
-          <a:srcRect/>
           <a:stretch>
             <a:fillRect/>
           </a:stretch>
         </a:blipFill>
-        <a:effectLst/>
       </p:bgPr>
     </p:bg>
     <p:spTree>
@@ -5036,28 +4171,41 @@
   <p:clrMapOvr>
     <a:masterClrMapping/>
   </p:clrMapOvr>
+  <mc:AlternateContent xmlns:mc="http://schemas.openxmlformats.org/markup-compatibility/2006">
+    <mc:Choice xmlns:p14="http://schemas.microsoft.com/office/powerpoint/2010/main" Requires="p14">
+      <p:transition spd="slow" p14:dur="2000"/>
+    </mc:Choice>
+    <mc:Fallback>
+      <p:transition spd="slow"/>
+    </mc:Fallback>
+  </mc:AlternateContent>
+  <p:timing>
+    <p:tnLst>
+      <p:par>
+        <p:cTn id="1" dur="indefinite" restart="never" nodeType="tmRoot"/>
+      </p:par>
+    </p:tnLst>
+  </p:timing>
 </p:sld>
 </file>
 
-<file path=ppt/slides/slide6.xml><?xml version="1.0" encoding="utf-8"?>
-<p:sld xmlns:a="http://schemas.openxmlformats.org/drawingml/2006/main" xmlns:r="http://schemas.openxmlformats.org/officeDocument/2006/relationships" xmlns:p="http://schemas.openxmlformats.org/presentationml/2006/main">
+<file path=ppt/slides/slide14.xml><?xml version="1.0" encoding="utf-8"?>
+<p:sld xmlns:a="http://schemas.openxmlformats.org/drawingml/2006/main" xmlns:r="http://schemas.openxmlformats.org/officeDocument/2006/relationships" xmlns:p="http://schemas.openxmlformats.org/presentationml/2006/main" xmlns:p14="http://schemas.microsoft.com/office/powerpoint/2010/main">
   <p:cSld>
     <p:bg>
       <p:bgPr>
         <a:blipFill rotWithShape="1">
-          <a:blip r:embed="rId2">
+          <a:blip r:embed="rId2" cstate="print">
             <a:extLst>
               <a:ext uri="{28A0092B-C50C-407E-A947-70E740481C1C}">
                 <a14:useLocalDpi xmlns:a14="http://schemas.microsoft.com/office/drawing/2010/main" val="0"/>
               </a:ext>
             </a:extLst>
           </a:blip>
-          <a:srcRect/>
           <a:stretch>
             <a:fillRect/>
           </a:stretch>
         </a:blipFill>
-        <a:effectLst/>
       </p:bgPr>
     </p:bg>
     <p:spTree>
@@ -5433,28 +4581,41 @@
   <p:clrMapOvr>
     <a:masterClrMapping/>
   </p:clrMapOvr>
+  <mc:AlternateContent xmlns:mc="http://schemas.openxmlformats.org/markup-compatibility/2006">
+    <mc:Choice xmlns:p14="http://schemas.microsoft.com/office/powerpoint/2010/main" Requires="p14">
+      <p:transition spd="slow" p14:dur="2000"/>
+    </mc:Choice>
+    <mc:Fallback>
+      <p:transition spd="slow"/>
+    </mc:Fallback>
+  </mc:AlternateContent>
+  <p:timing>
+    <p:tnLst>
+      <p:par>
+        <p:cTn id="1" dur="indefinite" restart="never" nodeType="tmRoot"/>
+      </p:par>
+    </p:tnLst>
+  </p:timing>
 </p:sld>
 </file>
 
-<file path=ppt/slides/slide7.xml><?xml version="1.0" encoding="utf-8"?>
-<p:sld xmlns:a="http://schemas.openxmlformats.org/drawingml/2006/main" xmlns:r="http://schemas.openxmlformats.org/officeDocument/2006/relationships" xmlns:p="http://schemas.openxmlformats.org/presentationml/2006/main">
+<file path=ppt/slides/slide15.xml><?xml version="1.0" encoding="utf-8"?>
+<p:sld xmlns:a="http://schemas.openxmlformats.org/drawingml/2006/main" xmlns:r="http://schemas.openxmlformats.org/officeDocument/2006/relationships" xmlns:p="http://schemas.openxmlformats.org/presentationml/2006/main" xmlns:p14="http://schemas.microsoft.com/office/powerpoint/2010/main">
   <p:cSld>
     <p:bg>
       <p:bgPr>
         <a:blipFill rotWithShape="1">
-          <a:blip r:embed="rId2">
+          <a:blip r:embed="rId2" cstate="print">
             <a:extLst>
               <a:ext uri="{28A0092B-C50C-407E-A947-70E740481C1C}">
                 <a14:useLocalDpi xmlns:a14="http://schemas.microsoft.com/office/drawing/2010/main" val="0"/>
               </a:ext>
             </a:extLst>
           </a:blip>
-          <a:srcRect/>
           <a:stretch>
             <a:fillRect/>
           </a:stretch>
         </a:blipFill>
-        <a:effectLst/>
       </p:bgPr>
     </p:bg>
     <p:spTree>
@@ -5530,6 +4691,2434 @@
   <p:clrMapOvr>
     <a:masterClrMapping/>
   </p:clrMapOvr>
+  <mc:AlternateContent xmlns:mc="http://schemas.openxmlformats.org/markup-compatibility/2006">
+    <mc:Choice xmlns:p14="http://schemas.microsoft.com/office/powerpoint/2010/main" Requires="p14">
+      <p:transition spd="slow" p14:dur="2000"/>
+    </mc:Choice>
+    <mc:Fallback>
+      <p:transition spd="slow"/>
+    </mc:Fallback>
+  </mc:AlternateContent>
+  <p:timing>
+    <p:tnLst>
+      <p:par>
+        <p:cTn id="1" dur="indefinite" restart="never" nodeType="tmRoot"/>
+      </p:par>
+    </p:tnLst>
+  </p:timing>
+</p:sld>
+</file>
+
+<file path=ppt/slides/slide2.xml><?xml version="1.0" encoding="utf-8"?>
+<p:sld xmlns:a="http://schemas.openxmlformats.org/drawingml/2006/main" xmlns:r="http://schemas.openxmlformats.org/officeDocument/2006/relationships" xmlns:p="http://schemas.openxmlformats.org/presentationml/2006/main" xmlns:p14="http://schemas.microsoft.com/office/powerpoint/2010/main">
+  <p:cSld>
+    <p:bg>
+      <p:bgPr>
+        <a:blipFill rotWithShape="1">
+          <a:blip r:embed="rId2" cstate="hqprint">
+            <a:extLst>
+              <a:ext uri="{28A0092B-C50C-407E-A947-70E740481C1C}">
+                <a14:useLocalDpi xmlns:a14="http://schemas.microsoft.com/office/drawing/2010/main"/>
+              </a:ext>
+            </a:extLst>
+          </a:blip>
+          <a:stretch>
+            <a:fillRect/>
+          </a:stretch>
+        </a:blipFill>
+      </p:bgPr>
+    </p:bg>
+    <p:spTree>
+      <p:nvGrpSpPr>
+        <p:cNvPr id="1" name=""/>
+        <p:cNvGrpSpPr/>
+        <p:nvPr/>
+      </p:nvGrpSpPr>
+      <p:grpSpPr>
+        <a:xfrm>
+          <a:off x="0" y="0"/>
+          <a:ext cx="0" cy="0"/>
+          <a:chOff x="0" y="0"/>
+          <a:chExt cx="0" cy="0"/>
+        </a:xfrm>
+      </p:grpSpPr>
+      <p:sp>
+        <p:nvSpPr>
+          <p:cNvPr id="23" name="직사각형 22"/>
+          <p:cNvSpPr>
+            <a:spLocks/>
+          </p:cNvSpPr>
+          <p:nvPr/>
+        </p:nvSpPr>
+        <p:spPr>
+          <a:xfrm>
+            <a:off x="899795" y="501650"/>
+            <a:ext cx="1693545" cy="303530"/>
+          </a:xfrm>
+          <a:prstGeom prst="rect">
+            <a:avLst/>
+          </a:prstGeom>
+          <a:noFill/>
+        </p:spPr>
+        <p:txBody>
+          <a:bodyPr vert="horz" wrap="square" lIns="112395" tIns="56515" rIns="112395" bIns="56515" numCol="1" anchor="t">
+            <a:spAutoFit/>
+          </a:bodyPr>
+          <a:lstStyle/>
+          <a:p>
+            <a:pPr marL="0" indent="0" algn="l" defTabSz="1125220" eaLnBrk="0" fontAlgn="auto" latinLnBrk="0">
+              <a:lnSpc>
+                <a:spcPct val="100000"/>
+              </a:lnSpc>
+              <a:spcBef>
+                <a:spcPts val="0"/>
+              </a:spcBef>
+              <a:spcAft>
+                <a:spcPts val="0"/>
+              </a:spcAft>
+              <a:buFontTx/>
+              <a:buNone/>
+            </a:pPr>
+            <a:r>
+              <a:rPr lang="en-US" altLang="ko-KR" sz="1230" b="0" strike="noStrike" cap="none" dirty="0">
+                <a:solidFill>
+                  <a:schemeClr val="tx1">
+                    <a:lumMod val="65000"/>
+                    <a:lumOff val="35000"/>
+                  </a:schemeClr>
+                </a:solidFill>
+                <a:latin typeface="Arial" charset="0"/>
+                <a:ea typeface="Arial" charset="0"/>
+              </a:rPr>
+              <a:t>INDEX</a:t>
+            </a:r>
+            <a:endParaRPr lang="ko-KR" altLang="en-US" sz="1230" b="0" strike="noStrike" cap="none" dirty="0">
+              <a:solidFill>
+                <a:schemeClr val="tx1">
+                  <a:lumMod val="65000"/>
+                  <a:lumOff val="35000"/>
+                </a:schemeClr>
+              </a:solidFill>
+              <a:latin typeface="Arial" charset="0"/>
+              <a:ea typeface="Arial" charset="0"/>
+            </a:endParaRPr>
+          </a:p>
+        </p:txBody>
+      </p:sp>
+      <p:sp>
+        <p:nvSpPr>
+          <p:cNvPr id="7" name="직사각형 6"/>
+          <p:cNvSpPr>
+            <a:spLocks/>
+          </p:cNvSpPr>
+          <p:nvPr/>
+        </p:nvSpPr>
+        <p:spPr>
+          <a:xfrm rot="0">
+            <a:off x="2431415" y="2145665"/>
+            <a:ext cx="1593215" cy="539115"/>
+          </a:xfrm>
+          <a:prstGeom prst="rect"/>
+          <a:noFill/>
+        </p:spPr>
+        <p:txBody>
+          <a:bodyPr wrap="square" lIns="112395" tIns="56515" rIns="112395" bIns="56515" numCol="1" vert="horz" anchor="t">
+            <a:spAutoFit/>
+          </a:bodyPr>
+          <a:lstStyle/>
+          <a:p>
+            <a:pPr marL="0" indent="0" algn="ctr" defTabSz="1125220" eaLnBrk="0" latinLnBrk="0">
+              <a:lnSpc>
+                <a:spcPct val="150000"/>
+              </a:lnSpc>
+              <a:buFontTx/>
+              <a:buNone/>
+            </a:pPr>
+            <a:r>
+              <a:rPr lang="en-US" altLang="ko-KR" sz="1845">
+                <a:solidFill>
+                  <a:schemeClr val="tx1">
+                    <a:lumMod val="65000"/>
+                    <a:lumOff val="35000"/>
+                  </a:schemeClr>
+                </a:solidFill>
+                <a:latin typeface="Arial" charset="0"/>
+                <a:ea typeface="Arial" charset="0"/>
+              </a:rPr>
+              <a:t>게임 개요</a:t>
+            </a:r>
+            <a:endParaRPr lang="ko-KR" altLang="en-US" sz="1845">
+              <a:solidFill>
+                <a:schemeClr val="tx1">
+                  <a:lumMod val="65000"/>
+                  <a:lumOff val="35000"/>
+                </a:schemeClr>
+              </a:solidFill>
+              <a:latin typeface="Arial" charset="0"/>
+              <a:ea typeface="Arial" charset="0"/>
+            </a:endParaRPr>
+          </a:p>
+        </p:txBody>
+      </p:sp>
+      <p:sp>
+        <p:nvSpPr>
+          <p:cNvPr id="8" name="타원 7"/>
+          <p:cNvSpPr/>
+          <p:nvPr/>
+        </p:nvSpPr>
+        <p:spPr>
+          <a:xfrm>
+            <a:off x="2247900" y="1443355"/>
+            <a:ext cx="1941830" cy="1941830"/>
+          </a:xfrm>
+          <a:prstGeom prst="ellipse">
+            <a:avLst/>
+          </a:prstGeom>
+          <a:noFill/>
+          <a:ln w="12700">
+            <a:solidFill>
+              <a:schemeClr val="bg1">
+                <a:lumMod val="85000"/>
+              </a:schemeClr>
+            </a:solidFill>
+            <a:prstDash val="solid"/>
+          </a:ln>
+        </p:spPr>
+        <p:style>
+          <a:lnRef idx="2">
+            <a:schemeClr val="accent1">
+              <a:shade val="50000"/>
+            </a:schemeClr>
+          </a:lnRef>
+          <a:fillRef idx="1">
+            <a:schemeClr val="accent1"/>
+          </a:fillRef>
+          <a:effectRef idx="0">
+            <a:schemeClr val="accent1"/>
+          </a:effectRef>
+          <a:fontRef idx="minor">
+            <a:schemeClr val="lt1"/>
+          </a:fontRef>
+        </p:style>
+        <p:txBody>
+          <a:bodyPr vert="horz" wrap="square" lIns="112542" tIns="56271" rIns="112542" bIns="56271" numCol="1" anchor="ctr">
+            <a:noAutofit/>
+          </a:bodyPr>
+          <a:lstStyle/>
+          <a:p>
+            <a:pPr algn="ctr" defTabSz="1125444" eaLnBrk="0"/>
+            <a:endParaRPr lang="ko-KR" altLang="en-US" sz="2215" dirty="0">
+              <a:solidFill>
+                <a:srgbClr val="FFFFFF"/>
+              </a:solidFill>
+              <a:latin typeface="Arial" charset="0"/>
+              <a:ea typeface="Arial" charset="0"/>
+            </a:endParaRPr>
+          </a:p>
+        </p:txBody>
+      </p:sp>
+      <p:sp>
+        <p:nvSpPr>
+          <p:cNvPr id="9" name="타원 8"/>
+          <p:cNvSpPr/>
+          <p:nvPr/>
+        </p:nvSpPr>
+        <p:spPr>
+          <a:xfrm>
+            <a:off x="4215130" y="2181860"/>
+            <a:ext cx="1941830" cy="1941830"/>
+          </a:xfrm>
+          <a:prstGeom prst="ellipse">
+            <a:avLst/>
+          </a:prstGeom>
+          <a:noFill/>
+          <a:ln w="19050">
+            <a:solidFill>
+              <a:schemeClr val="bg1">
+                <a:lumMod val="65000"/>
+              </a:schemeClr>
+            </a:solidFill>
+            <a:prstDash val="sysDot"/>
+          </a:ln>
+        </p:spPr>
+        <p:style>
+          <a:lnRef idx="2">
+            <a:schemeClr val="accent1">
+              <a:shade val="50000"/>
+            </a:schemeClr>
+          </a:lnRef>
+          <a:fillRef idx="1">
+            <a:schemeClr val="accent1"/>
+          </a:fillRef>
+          <a:effectRef idx="0">
+            <a:schemeClr val="accent1"/>
+          </a:effectRef>
+          <a:fontRef idx="minor">
+            <a:schemeClr val="lt1"/>
+          </a:fontRef>
+        </p:style>
+        <p:txBody>
+          <a:bodyPr vert="horz" wrap="square" lIns="112542" tIns="56271" rIns="112542" bIns="56271" numCol="1" anchor="ctr">
+            <a:noAutofit/>
+          </a:bodyPr>
+          <a:lstStyle/>
+          <a:p>
+            <a:pPr algn="ctr" defTabSz="1125444" eaLnBrk="0"/>
+            <a:endParaRPr lang="ko-KR" altLang="en-US" sz="2215" dirty="0">
+              <a:solidFill>
+                <a:srgbClr val="FFFFFF"/>
+              </a:solidFill>
+              <a:latin typeface="Arial" charset="0"/>
+              <a:ea typeface="Arial" charset="0"/>
+            </a:endParaRPr>
+          </a:p>
+        </p:txBody>
+      </p:sp>
+      <p:sp>
+        <p:nvSpPr>
+          <p:cNvPr id="10" name="타원 9"/>
+          <p:cNvSpPr/>
+          <p:nvPr/>
+        </p:nvSpPr>
+        <p:spPr>
+          <a:xfrm>
+            <a:off x="6188075" y="1424940"/>
+            <a:ext cx="1941830" cy="1941830"/>
+          </a:xfrm>
+          <a:prstGeom prst="ellipse">
+            <a:avLst/>
+          </a:prstGeom>
+          <a:noFill/>
+          <a:ln w="12700">
+            <a:solidFill>
+              <a:schemeClr val="bg1">
+                <a:lumMod val="85000"/>
+              </a:schemeClr>
+            </a:solidFill>
+            <a:prstDash val="solid"/>
+          </a:ln>
+        </p:spPr>
+        <p:style>
+          <a:lnRef idx="2">
+            <a:schemeClr val="accent1">
+              <a:shade val="50000"/>
+            </a:schemeClr>
+          </a:lnRef>
+          <a:fillRef idx="1">
+            <a:schemeClr val="accent1"/>
+          </a:fillRef>
+          <a:effectRef idx="0">
+            <a:schemeClr val="accent1"/>
+          </a:effectRef>
+          <a:fontRef idx="minor">
+            <a:schemeClr val="lt1"/>
+          </a:fontRef>
+        </p:style>
+        <p:txBody>
+          <a:bodyPr vert="horz" wrap="square" lIns="112542" tIns="56271" rIns="112542" bIns="56271" numCol="1" anchor="ctr">
+            <a:noAutofit/>
+          </a:bodyPr>
+          <a:lstStyle/>
+          <a:p>
+            <a:pPr algn="ctr" defTabSz="1125444" eaLnBrk="0"/>
+            <a:endParaRPr lang="ko-KR" altLang="en-US" sz="2215" dirty="0">
+              <a:solidFill>
+                <a:srgbClr val="FFFFFF"/>
+              </a:solidFill>
+              <a:latin typeface="Arial" charset="0"/>
+              <a:ea typeface="Arial" charset="0"/>
+            </a:endParaRPr>
+          </a:p>
+        </p:txBody>
+      </p:sp>
+      <p:sp>
+        <p:nvSpPr>
+          <p:cNvPr id="14" name="타원 13"/>
+          <p:cNvSpPr/>
+          <p:nvPr/>
+        </p:nvSpPr>
+        <p:spPr>
+          <a:xfrm>
+            <a:off x="8161655" y="2163445"/>
+            <a:ext cx="1941830" cy="1941830"/>
+          </a:xfrm>
+          <a:prstGeom prst="ellipse">
+            <a:avLst/>
+          </a:prstGeom>
+          <a:noFill/>
+          <a:ln w="19050">
+            <a:solidFill>
+              <a:schemeClr val="bg1">
+                <a:lumMod val="65000"/>
+              </a:schemeClr>
+            </a:solidFill>
+            <a:prstDash val="sysDot"/>
+          </a:ln>
+        </p:spPr>
+        <p:style>
+          <a:lnRef idx="2">
+            <a:schemeClr val="accent1">
+              <a:shade val="50000"/>
+            </a:schemeClr>
+          </a:lnRef>
+          <a:fillRef idx="1">
+            <a:schemeClr val="accent1"/>
+          </a:fillRef>
+          <a:effectRef idx="0">
+            <a:schemeClr val="accent1"/>
+          </a:effectRef>
+          <a:fontRef idx="minor">
+            <a:schemeClr val="lt1"/>
+          </a:fontRef>
+        </p:style>
+        <p:txBody>
+          <a:bodyPr vert="horz" wrap="square" lIns="112542" tIns="56271" rIns="112542" bIns="56271" numCol="1" anchor="ctr">
+            <a:noAutofit/>
+          </a:bodyPr>
+          <a:lstStyle/>
+          <a:p>
+            <a:pPr algn="ctr" defTabSz="1125444" eaLnBrk="0"/>
+            <a:endParaRPr lang="ko-KR" altLang="en-US" sz="2215" dirty="0">
+              <a:solidFill>
+                <a:srgbClr val="FFFFFF"/>
+              </a:solidFill>
+              <a:latin typeface="Arial" charset="0"/>
+              <a:ea typeface="Arial" charset="0"/>
+            </a:endParaRPr>
+          </a:p>
+        </p:txBody>
+      </p:sp>
+      <p:sp>
+        <p:nvSpPr>
+          <p:cNvPr id="15" name="직사각형 14"/>
+          <p:cNvSpPr>
+            <a:spLocks/>
+          </p:cNvSpPr>
+          <p:nvPr/>
+        </p:nvSpPr>
+        <p:spPr>
+          <a:xfrm rot="0">
+            <a:off x="4372610" y="2808605"/>
+            <a:ext cx="1593215" cy="539115"/>
+          </a:xfrm>
+          <a:prstGeom prst="rect"/>
+          <a:noFill/>
+        </p:spPr>
+        <p:txBody>
+          <a:bodyPr wrap="square" lIns="112395" tIns="56515" rIns="112395" bIns="56515" numCol="1" vert="horz" anchor="t">
+            <a:spAutoFit/>
+          </a:bodyPr>
+          <a:lstStyle/>
+          <a:p>
+            <a:pPr marL="0" indent="0" algn="ctr" defTabSz="1125220" eaLnBrk="0" latinLnBrk="0">
+              <a:lnSpc>
+                <a:spcPct val="150000"/>
+              </a:lnSpc>
+              <a:buFontTx/>
+              <a:buNone/>
+            </a:pPr>
+            <a:r>
+              <a:rPr lang="en-US" altLang="ko-KR" sz="1845">
+                <a:solidFill>
+                  <a:schemeClr val="tx1">
+                    <a:lumMod val="65000"/>
+                    <a:lumOff val="35000"/>
+                  </a:schemeClr>
+                </a:solidFill>
+                <a:latin typeface="Arial" charset="0"/>
+                <a:ea typeface="Arial" charset="0"/>
+              </a:rPr>
+              <a:t>시스템</a:t>
+            </a:r>
+            <a:endParaRPr lang="ko-KR" altLang="en-US" sz="1845">
+              <a:solidFill>
+                <a:schemeClr val="tx1">
+                  <a:lumMod val="65000"/>
+                  <a:lumOff val="35000"/>
+                </a:schemeClr>
+              </a:solidFill>
+              <a:latin typeface="Arial" charset="0"/>
+              <a:ea typeface="Arial" charset="0"/>
+            </a:endParaRPr>
+          </a:p>
+        </p:txBody>
+      </p:sp>
+      <p:sp>
+        <p:nvSpPr>
+          <p:cNvPr id="16" name="직사각형 15"/>
+          <p:cNvSpPr>
+            <a:spLocks/>
+          </p:cNvSpPr>
+          <p:nvPr/>
+        </p:nvSpPr>
+        <p:spPr>
+          <a:xfrm rot="0">
+            <a:off x="6361430" y="2153920"/>
+            <a:ext cx="1593215" cy="539115"/>
+          </a:xfrm>
+          <a:prstGeom prst="rect"/>
+          <a:noFill/>
+        </p:spPr>
+        <p:txBody>
+          <a:bodyPr wrap="square" lIns="112395" tIns="56515" rIns="112395" bIns="56515" numCol="1" vert="horz" anchor="t">
+            <a:spAutoFit/>
+          </a:bodyPr>
+          <a:lstStyle/>
+          <a:p>
+            <a:pPr marL="0" indent="0" algn="ctr" defTabSz="1125220" eaLnBrk="0" latinLnBrk="0">
+              <a:lnSpc>
+                <a:spcPct val="150000"/>
+              </a:lnSpc>
+              <a:buFontTx/>
+              <a:buNone/>
+            </a:pPr>
+            <a:r>
+              <a:rPr lang="en-US" altLang="ko-KR" sz="1845">
+                <a:solidFill>
+                  <a:schemeClr val="tx1">
+                    <a:lumMod val="65000"/>
+                    <a:lumOff val="35000"/>
+                  </a:schemeClr>
+                </a:solidFill>
+                <a:latin typeface="Arial" charset="0"/>
+                <a:ea typeface="Arial" charset="0"/>
+              </a:rPr>
+              <a:t>그래픽</a:t>
+            </a:r>
+            <a:endParaRPr lang="ko-KR" altLang="en-US" sz="1845">
+              <a:solidFill>
+                <a:schemeClr val="tx1">
+                  <a:lumMod val="65000"/>
+                  <a:lumOff val="35000"/>
+                </a:schemeClr>
+              </a:solidFill>
+              <a:latin typeface="Arial" charset="0"/>
+              <a:ea typeface="Arial" charset="0"/>
+            </a:endParaRPr>
+          </a:p>
+        </p:txBody>
+      </p:sp>
+      <p:sp>
+        <p:nvSpPr>
+          <p:cNvPr id="17" name="직사각형 16"/>
+          <p:cNvSpPr/>
+          <p:nvPr/>
+        </p:nvSpPr>
+        <p:spPr>
+          <a:xfrm>
+            <a:off x="8340090" y="2767330"/>
+            <a:ext cx="1593215" cy="539115"/>
+          </a:xfrm>
+          <a:prstGeom prst="rect">
+            <a:avLst/>
+          </a:prstGeom>
+          <a:noFill/>
+        </p:spPr>
+        <p:txBody>
+          <a:bodyPr wrap="square" lIns="112395" tIns="56515" rIns="112395" bIns="56515" numCol="1" vert="horz" anchor="t">
+            <a:spAutoFit/>
+          </a:bodyPr>
+          <a:lstStyle/>
+          <a:p>
+            <a:pPr marL="0" indent="0" algn="ctr" defTabSz="1125220" eaLnBrk="0" latinLnBrk="0">
+              <a:lnSpc>
+                <a:spcPct val="150000"/>
+              </a:lnSpc>
+              <a:buFontTx/>
+              <a:buNone/>
+            </a:pPr>
+            <a:endParaRPr lang="ko-KR" altLang="en-US" sz="1845">
+              <a:solidFill>
+                <a:schemeClr val="tx1">
+                  <a:lumMod val="65000"/>
+                  <a:lumOff val="35000"/>
+                </a:schemeClr>
+              </a:solidFill>
+              <a:latin typeface="Arial" charset="0"/>
+              <a:ea typeface="Arial" charset="0"/>
+            </a:endParaRPr>
+          </a:p>
+        </p:txBody>
+      </p:sp>
+      <p:sp>
+        <p:nvSpPr>
+          <p:cNvPr id="24" name="직사각형 23"/>
+          <p:cNvSpPr>
+            <a:spLocks/>
+          </p:cNvSpPr>
+          <p:nvPr/>
+        </p:nvSpPr>
+        <p:spPr>
+          <a:xfrm>
+            <a:off x="3705225" y="4935220"/>
+            <a:ext cx="4899660" cy="643890"/>
+          </a:xfrm>
+          <a:prstGeom prst="rect">
+            <a:avLst/>
+          </a:prstGeom>
+          <a:noFill/>
+        </p:spPr>
+        <p:txBody>
+          <a:bodyPr vert="horz" wrap="square" lIns="112542" tIns="56271" rIns="112542" bIns="56271" numCol="1" anchor="t">
+            <a:spAutoFit/>
+          </a:bodyPr>
+          <a:lstStyle/>
+          <a:p>
+            <a:pPr algn="ctr" defTabSz="1125444" eaLnBrk="0"/>
+            <a:r>
+              <a:rPr lang="en-US" altLang="ko-KR" sz="1723" dirty="0">
+                <a:solidFill>
+                  <a:srgbClr val="777878"/>
+                </a:solidFill>
+                <a:latin typeface="Arial" charset="0"/>
+                <a:ea typeface="Arial" charset="0"/>
+              </a:rPr>
+              <a:t>Lorem ipsum dolor sit amet, consecte </a:t>
+            </a:r>
+            <a:endParaRPr lang="ko-KR" altLang="en-US" sz="1723" dirty="0">
+              <a:solidFill>
+                <a:srgbClr val="777878"/>
+              </a:solidFill>
+              <a:latin typeface="Arial" charset="0"/>
+              <a:ea typeface="Arial" charset="0"/>
+            </a:endParaRPr>
+          </a:p>
+          <a:p>
+            <a:pPr algn="ctr" defTabSz="1125444" eaLnBrk="0"/>
+            <a:r>
+              <a:rPr lang="en-US" altLang="ko-KR" sz="1723" dirty="0">
+                <a:solidFill>
+                  <a:srgbClr val="777878"/>
+                </a:solidFill>
+                <a:latin typeface="Arial" charset="0"/>
+                <a:ea typeface="Arial" charset="0"/>
+              </a:rPr>
+              <a:t>adipiscing elit. malesuada laoreet.</a:t>
+            </a:r>
+            <a:endParaRPr lang="ko-KR" altLang="en-US" sz="1723" dirty="0">
+              <a:solidFill>
+                <a:srgbClr val="777878"/>
+              </a:solidFill>
+              <a:latin typeface="Arial" charset="0"/>
+              <a:ea typeface="Arial" charset="0"/>
+            </a:endParaRPr>
+          </a:p>
+        </p:txBody>
+      </p:sp>
+    </p:spTree>
+    <p:extLst>
+      <p:ext uri="{BB962C8B-B14F-4D97-AF65-F5344CB8AC3E}">
+        <p14:creationId xmlns:p14="http://schemas.microsoft.com/office/powerpoint/2010/main" val="1862853301"/>
+      </p:ext>
+    </p:extLst>
+  </p:cSld>
+  <p:clrMapOvr>
+    <a:masterClrMapping/>
+  </p:clrMapOvr>
+  <mc:AlternateContent xmlns:mc="http://schemas.openxmlformats.org/markup-compatibility/2006">
+    <mc:Choice xmlns:p14="http://schemas.microsoft.com/office/powerpoint/2010/main" Requires="p14">
+      <p:transition spd="slow" p14:dur="2000"/>
+    </mc:Choice>
+    <mc:Fallback>
+      <p:transition spd="slow"/>
+    </mc:Fallback>
+  </mc:AlternateContent>
+  <p:timing>
+    <p:tnLst>
+      <p:par>
+        <p:cTn id="1" dur="indefinite" restart="never" nodeType="tmRoot"/>
+      </p:par>
+    </p:tnLst>
+  </p:timing>
+</p:sld>
+</file>
+
+<file path=ppt/slides/slide3.xml><?xml version="1.0" encoding="utf-8"?>
+<p:sld xmlns:a="http://schemas.openxmlformats.org/drawingml/2006/main" xmlns:r="http://schemas.openxmlformats.org/officeDocument/2006/relationships" xmlns:p="http://schemas.openxmlformats.org/presentationml/2006/main" xmlns:p14="http://schemas.microsoft.com/office/powerpoint/2010/main">
+  <p:cSld>
+    <p:bg>
+      <p:bgPr>
+        <a:blipFill rotWithShape="1">
+          <a:blip r:embed="rId2" cstate="print">
+            <a:extLst>
+              <a:ext uri="{28A0092B-C50C-407E-A947-70E740481C1C}">
+                <a14:useLocalDpi xmlns:a14="http://schemas.microsoft.com/office/drawing/2010/main" val="0"/>
+              </a:ext>
+            </a:extLst>
+          </a:blip>
+          <a:stretch>
+            <a:fillRect l="0" t="0" r="0" b="0"/>
+          </a:stretch>
+        </a:blipFill>
+      </p:bgPr>
+    </p:bg>
+    <p:spTree>
+      <p:nvGrpSpPr>
+        <p:cNvPr id="1" name=""/>
+        <p:cNvGrpSpPr/>
+        <p:nvPr/>
+      </p:nvGrpSpPr>
+      <p:grpSpPr>
+        <a:xfrm>
+          <a:off x="0" y="0"/>
+          <a:ext cx="0" cy="0"/>
+          <a:chOff x="0" y="0"/>
+          <a:chExt cx="0" cy="0"/>
+        </a:xfrm>
+      </p:grpSpPr>
+      <p:sp>
+        <p:nvSpPr>
+          <p:cNvPr id="13" name="직사각형 12"/>
+          <p:cNvSpPr>
+            <a:spLocks/>
+          </p:cNvSpPr>
+          <p:nvPr/>
+        </p:nvSpPr>
+        <p:spPr>
+          <a:xfrm rot="0">
+            <a:off x="1491615" y="3288030"/>
+            <a:ext cx="4615180" cy="3438525"/>
+          </a:xfrm>
+          <a:prstGeom prst="rect"/>
+          <a:noFill/>
+        </p:spPr>
+        <p:txBody>
+          <a:bodyPr wrap="square" lIns="112395" tIns="56515" rIns="112395" bIns="56515" numCol="1" vert="horz" anchor="t">
+            <a:spAutoFit/>
+          </a:bodyPr>
+          <a:lstStyle/>
+          <a:p>
+            <a:pPr marL="0" indent="0" defTabSz="1125220" eaLnBrk="0" latinLnBrk="0">
+              <a:buFontTx/>
+              <a:buNone/>
+            </a:pPr>
+            <a:r>
+              <a:rPr lang="en-US" altLang="ko-KR" sz="1965">
+                <a:solidFill>
+                  <a:srgbClr val="777878"/>
+                </a:solidFill>
+                <a:latin typeface="Arial" charset="0"/>
+                <a:ea typeface="Arial" charset="0"/>
+              </a:rPr>
+              <a:t>제목 	- Daemonis</a:t>
+            </a:r>
+            <a:endParaRPr lang="ko-KR" altLang="en-US" sz="1965">
+              <a:solidFill>
+                <a:srgbClr val="777878"/>
+              </a:solidFill>
+              <a:latin typeface="Arial" charset="0"/>
+              <a:ea typeface="Arial" charset="0"/>
+            </a:endParaRPr>
+          </a:p>
+          <a:p>
+            <a:pPr marL="0" indent="0" defTabSz="1125220" eaLnBrk="0" latinLnBrk="0">
+              <a:buFontTx/>
+              <a:buNone/>
+            </a:pPr>
+            <a:endParaRPr lang="ko-KR" altLang="en-US" sz="1965">
+              <a:solidFill>
+                <a:srgbClr val="777878"/>
+              </a:solidFill>
+              <a:latin typeface="Arial" charset="0"/>
+              <a:ea typeface="Arial" charset="0"/>
+            </a:endParaRPr>
+          </a:p>
+          <a:p>
+            <a:pPr marL="0" indent="0" defTabSz="1125220" eaLnBrk="0" latinLnBrk="0">
+              <a:buFontTx/>
+              <a:buNone/>
+            </a:pPr>
+            <a:r>
+              <a:rPr lang="en-US" altLang="ko-KR" sz="1965">
+                <a:solidFill>
+                  <a:srgbClr val="777878"/>
+                </a:solidFill>
+                <a:latin typeface="Arial" charset="0"/>
+                <a:ea typeface="Arial" charset="0"/>
+              </a:rPr>
+              <a:t>플랫폼 	- 모바일</a:t>
+            </a:r>
+            <a:endParaRPr lang="ko-KR" altLang="en-US" sz="1965">
+              <a:solidFill>
+                <a:srgbClr val="777878"/>
+              </a:solidFill>
+              <a:latin typeface="Arial" charset="0"/>
+              <a:ea typeface="Arial" charset="0"/>
+            </a:endParaRPr>
+          </a:p>
+          <a:p>
+            <a:pPr marL="0" indent="0" defTabSz="1125220" eaLnBrk="0" latinLnBrk="0">
+              <a:buFontTx/>
+              <a:buNone/>
+            </a:pPr>
+            <a:endParaRPr lang="ko-KR" altLang="en-US" sz="1965">
+              <a:solidFill>
+                <a:srgbClr val="777878"/>
+              </a:solidFill>
+              <a:latin typeface="Arial" charset="0"/>
+              <a:ea typeface="Arial" charset="0"/>
+            </a:endParaRPr>
+          </a:p>
+          <a:p>
+            <a:pPr marL="0" indent="0" defTabSz="1125220" eaLnBrk="0" latinLnBrk="0">
+              <a:buFontTx/>
+              <a:buNone/>
+            </a:pPr>
+            <a:r>
+              <a:rPr lang="en-US" altLang="ko-KR" sz="1965">
+                <a:solidFill>
+                  <a:srgbClr val="777878"/>
+                </a:solidFill>
+                <a:latin typeface="Arial" charset="0"/>
+                <a:ea typeface="Arial" charset="0"/>
+              </a:rPr>
+              <a:t>장르 	- 2D 탑다운 핵앤슬래시 RPG</a:t>
+            </a:r>
+            <a:endParaRPr lang="ko-KR" altLang="en-US" sz="1965">
+              <a:solidFill>
+                <a:srgbClr val="777878"/>
+              </a:solidFill>
+              <a:latin typeface="Arial" charset="0"/>
+              <a:ea typeface="Arial" charset="0"/>
+            </a:endParaRPr>
+          </a:p>
+          <a:p>
+            <a:pPr marL="0" indent="0" defTabSz="1125220" eaLnBrk="0" latinLnBrk="0">
+              <a:buFontTx/>
+              <a:buNone/>
+            </a:pPr>
+            <a:endParaRPr lang="ko-KR" altLang="en-US" sz="1965">
+              <a:solidFill>
+                <a:srgbClr val="777878"/>
+              </a:solidFill>
+              <a:latin typeface="Arial" charset="0"/>
+              <a:ea typeface="Arial" charset="0"/>
+            </a:endParaRPr>
+          </a:p>
+          <a:p>
+            <a:pPr marL="0" indent="0" defTabSz="1125220" eaLnBrk="0" latinLnBrk="0">
+              <a:buFontTx/>
+              <a:buNone/>
+            </a:pPr>
+            <a:r>
+              <a:rPr lang="ko-KR" altLang="en-US" sz="1965">
+                <a:solidFill>
+                  <a:srgbClr val="777878"/>
+                </a:solidFill>
+                <a:latin typeface="Arial" charset="0"/>
+                <a:ea typeface="Arial" charset="0"/>
+              </a:rPr>
+              <a:t>그래픽 	- 2D 픽셀아트</a:t>
+            </a:r>
+            <a:endParaRPr lang="ko-KR" altLang="en-US" sz="1965">
+              <a:solidFill>
+                <a:srgbClr val="777878"/>
+              </a:solidFill>
+              <a:latin typeface="Arial" charset="0"/>
+              <a:ea typeface="Arial" charset="0"/>
+            </a:endParaRPr>
+          </a:p>
+          <a:p>
+            <a:pPr marL="0" indent="0" defTabSz="1125220" eaLnBrk="0" latinLnBrk="0">
+              <a:buFontTx/>
+              <a:buNone/>
+            </a:pPr>
+            <a:endParaRPr lang="ko-KR" altLang="en-US" sz="1965">
+              <a:solidFill>
+                <a:srgbClr val="777878"/>
+              </a:solidFill>
+              <a:latin typeface="Arial" charset="0"/>
+              <a:ea typeface="Arial" charset="0"/>
+            </a:endParaRPr>
+          </a:p>
+          <a:p>
+            <a:pPr marL="0" indent="0" defTabSz="1125220" eaLnBrk="0" latinLnBrk="0">
+              <a:buFontTx/>
+              <a:buNone/>
+            </a:pPr>
+            <a:endParaRPr lang="ko-KR" altLang="en-US" sz="1965">
+              <a:solidFill>
+                <a:srgbClr val="777878"/>
+              </a:solidFill>
+              <a:latin typeface="Arial" charset="0"/>
+              <a:ea typeface="Arial" charset="0"/>
+            </a:endParaRPr>
+          </a:p>
+          <a:p>
+            <a:pPr marL="0" indent="0" defTabSz="1125220" eaLnBrk="0" latinLnBrk="0">
+              <a:buFontTx/>
+              <a:buNone/>
+            </a:pPr>
+            <a:endParaRPr lang="ko-KR" altLang="en-US" sz="1965">
+              <a:solidFill>
+                <a:srgbClr val="777878"/>
+              </a:solidFill>
+              <a:latin typeface="맑은 고딕" charset="0"/>
+              <a:ea typeface="맑은 고딕" charset="0"/>
+            </a:endParaRPr>
+          </a:p>
+          <a:p>
+            <a:pPr marL="0" indent="0" defTabSz="1125220" eaLnBrk="0" latinLnBrk="0">
+              <a:buFontTx/>
+              <a:buNone/>
+            </a:pPr>
+            <a:endParaRPr lang="ko-KR" altLang="en-US" sz="1965">
+              <a:solidFill>
+                <a:schemeClr val="bg2">
+                  <a:lumMod val="50000"/>
+                  <a:lumOff val="0"/>
+                </a:schemeClr>
+              </a:solidFill>
+              <a:latin typeface="Arial" charset="0"/>
+              <a:ea typeface="Arial" charset="0"/>
+            </a:endParaRPr>
+          </a:p>
+        </p:txBody>
+      </p:sp>
+      <p:sp>
+        <p:nvSpPr>
+          <p:cNvPr id="17" name="직사각형 16"/>
+          <p:cNvSpPr>
+            <a:spLocks/>
+          </p:cNvSpPr>
+          <p:nvPr/>
+        </p:nvSpPr>
+        <p:spPr>
+          <a:xfrm rot="0">
+            <a:off x="2922270" y="-1097280"/>
+            <a:ext cx="4900295" cy="493395"/>
+          </a:xfrm>
+          <a:prstGeom prst="rect"/>
+          <a:noFill/>
+        </p:spPr>
+        <p:txBody>
+          <a:bodyPr wrap="square" lIns="112395" tIns="56515" rIns="112395" bIns="56515" numCol="1" vert="horz" anchor="t">
+            <a:spAutoFit/>
+          </a:bodyPr>
+          <a:lstStyle/>
+          <a:p>
+            <a:pPr marL="0" indent="0" algn="ctr" defTabSz="1125220" eaLnBrk="0" latinLnBrk="0">
+              <a:buFontTx/>
+              <a:buNone/>
+            </a:pPr>
+            <a:r>
+              <a:rPr lang="en-US" altLang="ko-KR" sz="2460">
+                <a:solidFill>
+                  <a:srgbClr val="777878"/>
+                </a:solidFill>
+                <a:latin typeface="Arial" charset="0"/>
+                <a:ea typeface="Arial" charset="0"/>
+              </a:rPr>
+              <a:t>CONTENTS</a:t>
+            </a:r>
+            <a:endParaRPr lang="ko-KR" altLang="en-US" sz="2460">
+              <a:solidFill>
+                <a:srgbClr val="777878"/>
+              </a:solidFill>
+              <a:latin typeface="Arial" charset="0"/>
+              <a:ea typeface="Arial" charset="0"/>
+            </a:endParaRPr>
+          </a:p>
+        </p:txBody>
+      </p:sp>
+      <p:sp>
+        <p:nvSpPr>
+          <p:cNvPr id="21" name="직사각형 20"/>
+          <p:cNvSpPr>
+            <a:spLocks/>
+          </p:cNvSpPr>
+          <p:nvPr/>
+        </p:nvSpPr>
+        <p:spPr>
+          <a:xfrm>
+            <a:off x="899795" y="501650"/>
+            <a:ext cx="1694815" cy="302895"/>
+          </a:xfrm>
+          <a:prstGeom prst="rect"/>
+          <a:noFill/>
+        </p:spPr>
+        <p:txBody>
+          <a:bodyPr wrap="square" lIns="112395" tIns="56515" rIns="112395" bIns="56515" numCol="1" vert="horz" anchor="t">
+            <a:spAutoFit/>
+          </a:bodyPr>
+          <a:lstStyle/>
+          <a:p>
+            <a:pPr marL="0" indent="0" algn="l" fontAlgn="auto" defTabSz="1125220" eaLnBrk="0" latinLnBrk="0">
+              <a:lnSpc>
+                <a:spcPct val="100000"/>
+              </a:lnSpc>
+              <a:spcBef>
+                <a:spcPts val="0"/>
+              </a:spcBef>
+              <a:spcAft>
+                <a:spcPts val="0"/>
+              </a:spcAft>
+              <a:buFontTx/>
+              <a:buNone/>
+            </a:pPr>
+            <a:r>
+              <a:rPr lang="en-US" altLang="ko-KR" sz="1230" cap="none" b="0" strike="noStrike">
+                <a:solidFill>
+                  <a:schemeClr val="tx1">
+                    <a:lumMod val="65000"/>
+                    <a:lumOff val="35000"/>
+                  </a:schemeClr>
+                </a:solidFill>
+                <a:latin typeface="맑은 고딕" charset="0"/>
+                <a:ea typeface="맑은 고딕" charset="0"/>
+              </a:rPr>
+              <a:t>게임 개요</a:t>
+            </a:r>
+            <a:endParaRPr lang="ko-KR" altLang="en-US" sz="1230" cap="none" b="0" strike="noStrike">
+              <a:solidFill>
+                <a:schemeClr val="tx1">
+                  <a:lumMod val="65000"/>
+                  <a:lumOff val="35000"/>
+                </a:schemeClr>
+              </a:solidFill>
+              <a:latin typeface="맑은 고딕" charset="0"/>
+              <a:ea typeface="맑은 고딕" charset="0"/>
+            </a:endParaRPr>
+          </a:p>
+        </p:txBody>
+      </p:sp>
+      <p:pic>
+        <p:nvPicPr>
+          <p:cNvPr id="22" name="그림 1" descr="C:/Users/lionk/AppData/Roaming/PolarisOffice/ETemp/23740_10363832/fImage390066641.png"/>
+          <p:cNvPicPr>
+            <a:picLocks noChangeAspect="1"/>
+          </p:cNvPicPr>
+          <p:nvPr/>
+        </p:nvPicPr>
+        <p:blipFill rotWithShape="1">
+          <a:blip r:embed="rId3" cstate="hqprint">
+            <a:extLst>
+              <a:ext uri="{28A0092B-C50C-407E-A947-70E740481C1C}">
+                <a14:useLocalDpi xmlns:a14="http://schemas.microsoft.com/office/drawing/2010/main"/>
+              </a:ext>
+            </a:extLst>
+          </a:blip>
+          <a:stretch>
+            <a:fillRect/>
+          </a:stretch>
+        </p:blipFill>
+        <p:spPr>
+          <a:xfrm rot="0">
+            <a:off x="4272915" y="1640840"/>
+            <a:ext cx="3547745" cy="929640"/>
+          </a:xfrm>
+          <a:prstGeom prst="rect"/>
+          <a:noFill/>
+        </p:spPr>
+      </p:pic>
+      <p:sp>
+        <p:nvSpPr>
+          <p:cNvPr id="23" name="도형 1"/>
+          <p:cNvSpPr>
+            <a:spLocks/>
+          </p:cNvSpPr>
+          <p:nvPr/>
+        </p:nvSpPr>
+        <p:spPr>
+          <a:xfrm rot="0">
+            <a:off x="6499225" y="3285490"/>
+            <a:ext cx="4615180" cy="2229485"/>
+          </a:xfrm>
+          <a:prstGeom prst="rect"/>
+          <a:noFill/>
+        </p:spPr>
+        <p:txBody>
+          <a:bodyPr wrap="square" lIns="112395" tIns="56515" rIns="112395" bIns="56515" numCol="1" vert="horz" anchor="t">
+            <a:spAutoFit/>
+          </a:bodyPr>
+          <a:lstStyle/>
+          <a:p>
+            <a:pPr marL="0" indent="0" defTabSz="1125220" eaLnBrk="0" latinLnBrk="0">
+              <a:buFontTx/>
+              <a:buNone/>
+            </a:pPr>
+            <a:r>
+              <a:rPr lang="en-US" altLang="ko-KR" sz="1965">
+                <a:solidFill>
+                  <a:srgbClr val="777878"/>
+                </a:solidFill>
+                <a:latin typeface="Arial" charset="0"/>
+                <a:ea typeface="Arial" charset="0"/>
+              </a:rPr>
+              <a:t>모티브	- 디아블로, 언디셈버</a:t>
+            </a:r>
+            <a:endParaRPr lang="ko-KR" altLang="en-US" sz="1965">
+              <a:solidFill>
+                <a:srgbClr val="777878"/>
+              </a:solidFill>
+              <a:latin typeface="Arial" charset="0"/>
+              <a:ea typeface="Arial" charset="0"/>
+            </a:endParaRPr>
+          </a:p>
+          <a:p>
+            <a:pPr marL="0" indent="0" defTabSz="1125220" eaLnBrk="0" latinLnBrk="0">
+              <a:buFontTx/>
+              <a:buNone/>
+            </a:pPr>
+            <a:endParaRPr lang="ko-KR" altLang="en-US" sz="1965">
+              <a:solidFill>
+                <a:srgbClr val="777878"/>
+              </a:solidFill>
+              <a:latin typeface="Arial" charset="0"/>
+              <a:ea typeface="Arial" charset="0"/>
+            </a:endParaRPr>
+          </a:p>
+          <a:p>
+            <a:pPr marL="0" indent="0" defTabSz="1125220" eaLnBrk="0" latinLnBrk="0">
+              <a:buFontTx/>
+              <a:buNone/>
+            </a:pPr>
+            <a:endParaRPr lang="ko-KR" altLang="en-US" sz="1965">
+              <a:solidFill>
+                <a:srgbClr val="777878"/>
+              </a:solidFill>
+              <a:latin typeface="Arial" charset="0"/>
+              <a:ea typeface="Arial" charset="0"/>
+            </a:endParaRPr>
+          </a:p>
+          <a:p>
+            <a:pPr marL="0" indent="0" defTabSz="1125220" eaLnBrk="0" latinLnBrk="0">
+              <a:buFontTx/>
+              <a:buNone/>
+            </a:pPr>
+            <a:endParaRPr lang="ko-KR" altLang="en-US" sz="1965">
+              <a:solidFill>
+                <a:srgbClr val="777878"/>
+              </a:solidFill>
+              <a:latin typeface="Arial" charset="0"/>
+              <a:ea typeface="Arial" charset="0"/>
+            </a:endParaRPr>
+          </a:p>
+          <a:p>
+            <a:pPr marL="0" indent="0" defTabSz="1125220" eaLnBrk="0" latinLnBrk="0">
+              <a:buFontTx/>
+              <a:buNone/>
+            </a:pPr>
+            <a:endParaRPr lang="ko-KR" altLang="en-US" sz="1965">
+              <a:solidFill>
+                <a:srgbClr val="777878"/>
+              </a:solidFill>
+              <a:latin typeface="Arial" charset="0"/>
+              <a:ea typeface="Arial" charset="0"/>
+            </a:endParaRPr>
+          </a:p>
+          <a:p>
+            <a:pPr marL="0" indent="0" defTabSz="1125220" eaLnBrk="0" latinLnBrk="0">
+              <a:buFontTx/>
+              <a:buNone/>
+            </a:pPr>
+            <a:endParaRPr lang="ko-KR" altLang="en-US" sz="1965">
+              <a:solidFill>
+                <a:srgbClr val="777878"/>
+              </a:solidFill>
+              <a:latin typeface="맑은 고딕" charset="0"/>
+              <a:ea typeface="맑은 고딕" charset="0"/>
+            </a:endParaRPr>
+          </a:p>
+          <a:p>
+            <a:pPr marL="0" indent="0" defTabSz="1125220" eaLnBrk="0" latinLnBrk="0">
+              <a:buFontTx/>
+              <a:buNone/>
+            </a:pPr>
+            <a:endParaRPr lang="ko-KR" altLang="en-US" sz="1965">
+              <a:solidFill>
+                <a:schemeClr val="bg2">
+                  <a:lumMod val="50000"/>
+                  <a:lumOff val="0"/>
+                </a:schemeClr>
+              </a:solidFill>
+              <a:latin typeface="Arial" charset="0"/>
+              <a:ea typeface="Arial" charset="0"/>
+            </a:endParaRPr>
+          </a:p>
+        </p:txBody>
+      </p:sp>
+    </p:spTree>
+    <p:extLst>
+      <p:ext uri="{BB962C8B-B14F-4D97-AF65-F5344CB8AC3E}">
+        <p14:creationId xmlns:p14="http://schemas.microsoft.com/office/powerpoint/2010/main" val="3724144136"/>
+      </p:ext>
+    </p:extLst>
+  </p:cSld>
+  <p:clrMapOvr>
+    <a:masterClrMapping/>
+  </p:clrMapOvr>
+  <mc:AlternateContent xmlns:mc="http://schemas.openxmlformats.org/markup-compatibility/2006">
+    <mc:Choice xmlns:p14="http://schemas.microsoft.com/office/powerpoint/2010/main" Requires="p14">
+      <p:transition spd="slow" p14:dur="2000"/>
+    </mc:Choice>
+    <mc:Fallback>
+      <p:transition spd="slow"/>
+    </mc:Fallback>
+  </mc:AlternateContent>
+  <p:timing>
+    <p:tnLst>
+      <p:par>
+        <p:cTn id="1" dur="indefinite" restart="never" nodeType="tmRoot"/>
+      </p:par>
+    </p:tnLst>
+  </p:timing>
+</p:sld>
+</file>
+
+<file path=ppt/slides/slide4.xml><?xml version="1.0" encoding="utf-8"?>
+<p:sld xmlns:a="http://schemas.openxmlformats.org/drawingml/2006/main" xmlns:r="http://schemas.openxmlformats.org/officeDocument/2006/relationships" xmlns:p="http://schemas.openxmlformats.org/presentationml/2006/main">
+  <p:cSld>
+    <p:bg>
+      <p:bgPr>
+        <a:blipFill rotWithShape="1">
+          <a:blip r:embed="rId2" cstate="print">
+            <a:extLst>
+              <a:ext uri="{28A0092B-C50C-407E-A947-70E740481C1C}">
+                <a14:useLocalDpi xmlns:a14="http://schemas.microsoft.com/office/drawing/2010/main" val="0"/>
+              </a:ext>
+            </a:extLst>
+          </a:blip>
+          <a:stretch>
+            <a:fillRect l="0" t="0" r="0" b="0"/>
+          </a:stretch>
+        </a:blipFill>
+      </p:bgPr>
+    </p:bg>
+    <p:spTree>
+      <p:nvGrpSpPr>
+        <p:cNvPr id="1" name=""/>
+        <p:cNvGrpSpPr/>
+        <p:nvPr/>
+      </p:nvGrpSpPr>
+      <p:grpSpPr>
+        <a:xfrm>
+          <a:off x="0" y="0"/>
+          <a:ext cx="0" cy="0"/>
+          <a:chOff x="0" y="0"/>
+          <a:chExt cx="0" cy="0"/>
+        </a:xfrm>
+      </p:grpSpPr>
+      <p:sp>
+        <p:nvSpPr>
+          <p:cNvPr id="23" name="Rect 0"/>
+          <p:cNvSpPr>
+            <a:spLocks/>
+          </p:cNvSpPr>
+          <p:nvPr/>
+        </p:nvSpPr>
+        <p:spPr>
+          <a:xfrm rot="0">
+            <a:off x="6499225" y="3285490"/>
+            <a:ext cx="4615180" cy="2229485"/>
+          </a:xfrm>
+          <a:prstGeom prst="rect"/>
+          <a:noFill/>
+        </p:spPr>
+        <p:txBody>
+          <a:bodyPr wrap="square" lIns="112395" tIns="56515" rIns="112395" bIns="56515" numCol="1" vert="horz" anchor="t">
+            <a:spAutoFit/>
+          </a:bodyPr>
+          <a:lstStyle/>
+          <a:p>
+            <a:pPr marL="0" indent="0" defTabSz="1125220" eaLnBrk="0" latinLnBrk="0">
+              <a:buFontTx/>
+              <a:buNone/>
+            </a:pPr>
+            <a:endParaRPr lang="ko-KR" altLang="en-US" sz="1965">
+              <a:solidFill>
+                <a:srgbClr val="777878"/>
+              </a:solidFill>
+              <a:latin typeface="Arial" charset="0"/>
+              <a:ea typeface="Arial" charset="0"/>
+            </a:endParaRPr>
+          </a:p>
+          <a:p>
+            <a:pPr marL="0" indent="0" defTabSz="1125220" eaLnBrk="0" latinLnBrk="0">
+              <a:buFontTx/>
+              <a:buNone/>
+            </a:pPr>
+            <a:endParaRPr lang="ko-KR" altLang="en-US" sz="1965">
+              <a:solidFill>
+                <a:srgbClr val="777878"/>
+              </a:solidFill>
+              <a:latin typeface="Arial" charset="0"/>
+              <a:ea typeface="Arial" charset="0"/>
+            </a:endParaRPr>
+          </a:p>
+          <a:p>
+            <a:pPr marL="0" indent="0" defTabSz="1125220" eaLnBrk="0" latinLnBrk="0">
+              <a:buFontTx/>
+              <a:buNone/>
+            </a:pPr>
+            <a:endParaRPr lang="ko-KR" altLang="en-US" sz="1965">
+              <a:solidFill>
+                <a:srgbClr val="777878"/>
+              </a:solidFill>
+              <a:latin typeface="Arial" charset="0"/>
+              <a:ea typeface="Arial" charset="0"/>
+            </a:endParaRPr>
+          </a:p>
+          <a:p>
+            <a:pPr marL="0" indent="0" defTabSz="1125220" eaLnBrk="0" latinLnBrk="0">
+              <a:buFontTx/>
+              <a:buNone/>
+            </a:pPr>
+            <a:endParaRPr lang="ko-KR" altLang="en-US" sz="1965">
+              <a:solidFill>
+                <a:srgbClr val="777878"/>
+              </a:solidFill>
+              <a:latin typeface="Arial" charset="0"/>
+              <a:ea typeface="Arial" charset="0"/>
+            </a:endParaRPr>
+          </a:p>
+          <a:p>
+            <a:pPr marL="0" indent="0" defTabSz="1125220" eaLnBrk="0" latinLnBrk="0">
+              <a:buFontTx/>
+              <a:buNone/>
+            </a:pPr>
+            <a:endParaRPr lang="ko-KR" altLang="en-US" sz="1965">
+              <a:solidFill>
+                <a:srgbClr val="777878"/>
+              </a:solidFill>
+              <a:latin typeface="Arial" charset="0"/>
+              <a:ea typeface="Arial" charset="0"/>
+            </a:endParaRPr>
+          </a:p>
+          <a:p>
+            <a:pPr marL="0" indent="0" defTabSz="1125220" eaLnBrk="0" latinLnBrk="0">
+              <a:buFontTx/>
+              <a:buNone/>
+            </a:pPr>
+            <a:endParaRPr lang="ko-KR" altLang="en-US" sz="1965">
+              <a:solidFill>
+                <a:srgbClr val="777878"/>
+              </a:solidFill>
+              <a:latin typeface="맑은 고딕" charset="0"/>
+              <a:ea typeface="맑은 고딕" charset="0"/>
+            </a:endParaRPr>
+          </a:p>
+          <a:p>
+            <a:pPr marL="0" indent="0" defTabSz="1125220" eaLnBrk="0" latinLnBrk="0">
+              <a:buFontTx/>
+              <a:buNone/>
+            </a:pPr>
+            <a:endParaRPr lang="ko-KR" altLang="en-US" sz="1965">
+              <a:solidFill>
+                <a:schemeClr val="bg2">
+                  <a:lumMod val="50000"/>
+                  <a:lumOff val="0"/>
+                </a:schemeClr>
+              </a:solidFill>
+              <a:latin typeface="Arial" charset="0"/>
+              <a:ea typeface="Arial" charset="0"/>
+            </a:endParaRPr>
+          </a:p>
+        </p:txBody>
+      </p:sp>
+      <p:sp>
+        <p:nvSpPr>
+          <p:cNvPr id="24" name="도형 17"/>
+          <p:cNvSpPr>
+            <a:spLocks/>
+          </p:cNvSpPr>
+          <p:nvPr/>
+        </p:nvSpPr>
+        <p:spPr>
+          <a:xfrm rot="0">
+            <a:off x="899795" y="501650"/>
+            <a:ext cx="1694815" cy="302895"/>
+          </a:xfrm>
+          <a:prstGeom prst="rect"/>
+          <a:noFill/>
+        </p:spPr>
+        <p:txBody>
+          <a:bodyPr wrap="square" lIns="112395" tIns="56515" rIns="112395" bIns="56515" numCol="1" vert="horz" anchor="t">
+            <a:spAutoFit/>
+          </a:bodyPr>
+          <a:lstStyle/>
+          <a:p>
+            <a:pPr marL="0" indent="0" algn="l" fontAlgn="auto" defTabSz="1125220" eaLnBrk="0" latinLnBrk="0">
+              <a:lnSpc>
+                <a:spcPct val="100000"/>
+              </a:lnSpc>
+              <a:spcBef>
+                <a:spcPts val="0"/>
+              </a:spcBef>
+              <a:spcAft>
+                <a:spcPts val="0"/>
+              </a:spcAft>
+              <a:buFontTx/>
+              <a:buNone/>
+            </a:pPr>
+            <a:r>
+              <a:rPr lang="en-US" altLang="ko-KR" sz="1230" cap="none" b="0" strike="noStrike">
+                <a:solidFill>
+                  <a:schemeClr val="tx1">
+                    <a:lumMod val="65000"/>
+                    <a:lumOff val="35000"/>
+                  </a:schemeClr>
+                </a:solidFill>
+                <a:latin typeface="맑은 고딕" charset="0"/>
+                <a:ea typeface="맑은 고딕" charset="0"/>
+              </a:rPr>
+              <a:t>게임 개요</a:t>
+            </a:r>
+            <a:endParaRPr lang="ko-KR" altLang="en-US" sz="1230" cap="none" b="0" strike="noStrike">
+              <a:solidFill>
+                <a:schemeClr val="tx1">
+                  <a:lumMod val="65000"/>
+                  <a:lumOff val="35000"/>
+                </a:schemeClr>
+              </a:solidFill>
+              <a:latin typeface="맑은 고딕" charset="0"/>
+              <a:ea typeface="맑은 고딕" charset="0"/>
+            </a:endParaRPr>
+          </a:p>
+        </p:txBody>
+      </p:sp>
+      <p:sp>
+        <p:nvSpPr>
+          <p:cNvPr id="25" name="도형 18"/>
+          <p:cNvSpPr>
+            <a:spLocks/>
+          </p:cNvSpPr>
+          <p:nvPr/>
+        </p:nvSpPr>
+        <p:spPr>
+          <a:xfrm rot="0">
+            <a:off x="3649345" y="1257935"/>
+            <a:ext cx="4900930" cy="492125"/>
+          </a:xfrm>
+          <a:prstGeom prst="rect"/>
+          <a:noFill/>
+        </p:spPr>
+        <p:txBody>
+          <a:bodyPr wrap="square" lIns="112395" tIns="56515" rIns="112395" bIns="56515" numCol="1" vert="horz" anchor="t">
+            <a:spAutoFit/>
+          </a:bodyPr>
+          <a:lstStyle/>
+          <a:p>
+            <a:pPr marL="0" indent="0" algn="ctr" defTabSz="1125220" eaLnBrk="0" latinLnBrk="0">
+              <a:buFontTx/>
+              <a:buNone/>
+            </a:pPr>
+            <a:r>
+              <a:rPr lang="en-US" altLang="ko-KR" sz="2460">
+                <a:solidFill>
+                  <a:srgbClr val="777878"/>
+                </a:solidFill>
+                <a:latin typeface="Arial" charset="0"/>
+                <a:ea typeface="Arial" charset="0"/>
+              </a:rPr>
+              <a:t>S T O R Y</a:t>
+            </a:r>
+            <a:endParaRPr lang="ko-KR" altLang="en-US" sz="2460">
+              <a:solidFill>
+                <a:srgbClr val="777878"/>
+              </a:solidFill>
+              <a:latin typeface="Arial" charset="0"/>
+              <a:ea typeface="Arial" charset="0"/>
+            </a:endParaRPr>
+          </a:p>
+        </p:txBody>
+      </p:sp>
+      <p:sp>
+        <p:nvSpPr>
+          <p:cNvPr id="26" name="도형 19"/>
+          <p:cNvSpPr>
+            <a:spLocks/>
+          </p:cNvSpPr>
+          <p:nvPr/>
+        </p:nvSpPr>
+        <p:spPr>
+          <a:xfrm rot="0">
+            <a:off x="1344295" y="1989455"/>
+            <a:ext cx="9253220" cy="2229485"/>
+          </a:xfrm>
+          <a:prstGeom prst="rect"/>
+          <a:noFill/>
+        </p:spPr>
+        <p:txBody>
+          <a:bodyPr wrap="square" lIns="112395" tIns="56515" rIns="112395" bIns="56515" numCol="1" vert="horz" anchor="t">
+            <a:spAutoFit/>
+          </a:bodyPr>
+          <a:lstStyle/>
+          <a:p>
+            <a:pPr marL="0" indent="0" defTabSz="1125220" eaLnBrk="0" latinLnBrk="0">
+              <a:buFontTx/>
+              <a:buNone/>
+            </a:pPr>
+            <a:r>
+              <a:rPr lang="en-US" altLang="ko-KR" sz="1965">
+                <a:solidFill>
+                  <a:srgbClr val="777878"/>
+                </a:solidFill>
+                <a:latin typeface="Arial" charset="0"/>
+                <a:ea typeface="Arial" charset="0"/>
+              </a:rPr>
+              <a:t> 작은 마을에서 평범한 일상을 보내고 있는 주인공 모리스에게 어느 날 하늘에서 천사가 내려와서 마족들에게서 세계를 구해달라는 계시를 받는다.</a:t>
+            </a:r>
+            <a:endParaRPr lang="ko-KR" altLang="en-US" sz="1965">
+              <a:solidFill>
+                <a:srgbClr val="777878"/>
+              </a:solidFill>
+              <a:latin typeface="Arial" charset="0"/>
+              <a:ea typeface="Arial" charset="0"/>
+            </a:endParaRPr>
+          </a:p>
+          <a:p>
+            <a:pPr marL="0" indent="0" defTabSz="1125220" eaLnBrk="0" latinLnBrk="0">
+              <a:buFontTx/>
+              <a:buNone/>
+            </a:pPr>
+            <a:endParaRPr lang="ko-KR" altLang="en-US" sz="1965">
+              <a:solidFill>
+                <a:srgbClr val="777878"/>
+              </a:solidFill>
+              <a:latin typeface="Arial" charset="0"/>
+              <a:ea typeface="Arial" charset="0"/>
+            </a:endParaRPr>
+          </a:p>
+          <a:p>
+            <a:pPr marL="0" indent="0" defTabSz="1125220" eaLnBrk="0" latinLnBrk="0">
+              <a:buFontTx/>
+              <a:buNone/>
+            </a:pPr>
+            <a:r>
+              <a:rPr lang="en-US" altLang="ko-KR" sz="1965">
+                <a:solidFill>
+                  <a:srgbClr val="777878"/>
+                </a:solidFill>
+                <a:latin typeface="Arial" charset="0"/>
+                <a:ea typeface="Arial" charset="0"/>
+              </a:rPr>
+              <a:t> 계시와 함께 마력을 전수받은 모리스는 자신의 작은 마을을 벗어나 마법사의 길을 걸어나가기 시작한다.</a:t>
+            </a:r>
+            <a:endParaRPr lang="ko-KR" altLang="en-US" sz="1965">
+              <a:solidFill>
+                <a:srgbClr val="777878"/>
+              </a:solidFill>
+              <a:latin typeface="Arial" charset="0"/>
+              <a:ea typeface="Arial" charset="0"/>
+            </a:endParaRPr>
+          </a:p>
+          <a:p>
+            <a:pPr marL="0" indent="0" defTabSz="1125220" eaLnBrk="0" latinLnBrk="0">
+              <a:buFontTx/>
+              <a:buNone/>
+            </a:pPr>
+            <a:endParaRPr lang="ko-KR" altLang="en-US" sz="1965">
+              <a:solidFill>
+                <a:srgbClr val="777878"/>
+              </a:solidFill>
+              <a:latin typeface="맑은 고딕" charset="0"/>
+              <a:ea typeface="맑은 고딕" charset="0"/>
+            </a:endParaRPr>
+          </a:p>
+          <a:p>
+            <a:pPr marL="0" indent="0" defTabSz="1125220" eaLnBrk="0" latinLnBrk="0">
+              <a:buFontTx/>
+              <a:buNone/>
+            </a:pPr>
+            <a:endParaRPr lang="ko-KR" altLang="en-US" sz="1965">
+              <a:solidFill>
+                <a:schemeClr val="bg2">
+                  <a:lumMod val="50000"/>
+                  <a:lumOff val="0"/>
+                </a:schemeClr>
+              </a:solidFill>
+              <a:latin typeface="Arial" charset="0"/>
+              <a:ea typeface="Arial" charset="0"/>
+            </a:endParaRPr>
+          </a:p>
+        </p:txBody>
+      </p:sp>
+    </p:spTree>
+  </p:cSld>
+  <p:clrMapOvr>
+    <a:masterClrMapping/>
+  </p:clrMapOvr>
+  <mc:AlternateContent xmlns:mc="http://schemas.openxmlformats.org/markup-compatibility/2006">
+    <mc:Choice xmlns:p14="http://schemas.microsoft.com/office/powerpoint/2010/main" Requires="p14">
+      <p:transition spd="slow" p14:dur="2000"/>
+    </mc:Choice>
+    <mc:Fallback>
+      <p:transition spd="slow"/>
+    </mc:Fallback>
+  </mc:AlternateContent>
+  <p:timing>
+    <p:tnLst>
+      <p:par>
+        <p:cTn id="1" dur="indefinite" restart="never" nodeType="tmRoot"/>
+      </p:par>
+    </p:tnLst>
+  </p:timing>
+</p:sld>
+</file>
+
+<file path=ppt/slides/slide5.xml><?xml version="1.0" encoding="utf-8"?>
+<p:sld xmlns:a="http://schemas.openxmlformats.org/drawingml/2006/main" xmlns:r="http://schemas.openxmlformats.org/officeDocument/2006/relationships" xmlns:p="http://schemas.openxmlformats.org/presentationml/2006/main">
+  <p:cSld>
+    <p:bg>
+      <p:bgPr>
+        <a:blipFill rotWithShape="1">
+          <a:blip r:embed="rId2" cstate="print">
+            <a:extLst>
+              <a:ext uri="{28A0092B-C50C-407E-A947-70E740481C1C}">
+                <a14:useLocalDpi xmlns:a14="http://schemas.microsoft.com/office/drawing/2010/main" val="0"/>
+              </a:ext>
+            </a:extLst>
+          </a:blip>
+          <a:stretch>
+            <a:fillRect l="0" t="0" r="0" b="0"/>
+          </a:stretch>
+        </a:blipFill>
+      </p:bgPr>
+    </p:bg>
+    <p:spTree>
+      <p:nvGrpSpPr>
+        <p:cNvPr id="1" name=""/>
+        <p:cNvGrpSpPr/>
+        <p:nvPr/>
+      </p:nvGrpSpPr>
+      <p:grpSpPr>
+        <a:xfrm>
+          <a:off x="0" y="0"/>
+          <a:ext cx="0" cy="0"/>
+          <a:chOff x="0" y="0"/>
+          <a:chExt cx="0" cy="0"/>
+        </a:xfrm>
+      </p:grpSpPr>
+      <p:sp>
+        <p:nvSpPr>
+          <p:cNvPr id="23" name="Rect 0"/>
+          <p:cNvSpPr>
+            <a:spLocks/>
+          </p:cNvSpPr>
+          <p:nvPr/>
+        </p:nvSpPr>
+        <p:spPr>
+          <a:xfrm rot="0">
+            <a:off x="6499225" y="3285490"/>
+            <a:ext cx="4615180" cy="2229485"/>
+          </a:xfrm>
+          <a:prstGeom prst="rect"/>
+          <a:noFill/>
+        </p:spPr>
+        <p:txBody>
+          <a:bodyPr wrap="square" lIns="112395" tIns="56515" rIns="112395" bIns="56515" numCol="1" vert="horz" anchor="t">
+            <a:spAutoFit/>
+          </a:bodyPr>
+          <a:lstStyle/>
+          <a:p>
+            <a:pPr marL="0" indent="0" defTabSz="1125220" eaLnBrk="0" latinLnBrk="0">
+              <a:buFontTx/>
+              <a:buNone/>
+            </a:pPr>
+            <a:endParaRPr lang="ko-KR" altLang="en-US" sz="1965">
+              <a:solidFill>
+                <a:srgbClr val="777878"/>
+              </a:solidFill>
+              <a:latin typeface="Arial" charset="0"/>
+              <a:ea typeface="Arial" charset="0"/>
+            </a:endParaRPr>
+          </a:p>
+          <a:p>
+            <a:pPr marL="0" indent="0" defTabSz="1125220" eaLnBrk="0" latinLnBrk="0">
+              <a:buFontTx/>
+              <a:buNone/>
+            </a:pPr>
+            <a:endParaRPr lang="ko-KR" altLang="en-US" sz="1965">
+              <a:solidFill>
+                <a:srgbClr val="777878"/>
+              </a:solidFill>
+              <a:latin typeface="Arial" charset="0"/>
+              <a:ea typeface="Arial" charset="0"/>
+            </a:endParaRPr>
+          </a:p>
+          <a:p>
+            <a:pPr marL="0" indent="0" defTabSz="1125220" eaLnBrk="0" latinLnBrk="0">
+              <a:buFontTx/>
+              <a:buNone/>
+            </a:pPr>
+            <a:endParaRPr lang="ko-KR" altLang="en-US" sz="1965">
+              <a:solidFill>
+                <a:srgbClr val="777878"/>
+              </a:solidFill>
+              <a:latin typeface="Arial" charset="0"/>
+              <a:ea typeface="Arial" charset="0"/>
+            </a:endParaRPr>
+          </a:p>
+          <a:p>
+            <a:pPr marL="0" indent="0" defTabSz="1125220" eaLnBrk="0" latinLnBrk="0">
+              <a:buFontTx/>
+              <a:buNone/>
+            </a:pPr>
+            <a:endParaRPr lang="ko-KR" altLang="en-US" sz="1965">
+              <a:solidFill>
+                <a:srgbClr val="777878"/>
+              </a:solidFill>
+              <a:latin typeface="Arial" charset="0"/>
+              <a:ea typeface="Arial" charset="0"/>
+            </a:endParaRPr>
+          </a:p>
+          <a:p>
+            <a:pPr marL="0" indent="0" defTabSz="1125220" eaLnBrk="0" latinLnBrk="0">
+              <a:buFontTx/>
+              <a:buNone/>
+            </a:pPr>
+            <a:endParaRPr lang="ko-KR" altLang="en-US" sz="1965">
+              <a:solidFill>
+                <a:srgbClr val="777878"/>
+              </a:solidFill>
+              <a:latin typeface="Arial" charset="0"/>
+              <a:ea typeface="Arial" charset="0"/>
+            </a:endParaRPr>
+          </a:p>
+          <a:p>
+            <a:pPr marL="0" indent="0" defTabSz="1125220" eaLnBrk="0" latinLnBrk="0">
+              <a:buFontTx/>
+              <a:buNone/>
+            </a:pPr>
+            <a:endParaRPr lang="ko-KR" altLang="en-US" sz="1965">
+              <a:solidFill>
+                <a:srgbClr val="777878"/>
+              </a:solidFill>
+              <a:latin typeface="맑은 고딕" charset="0"/>
+              <a:ea typeface="맑은 고딕" charset="0"/>
+            </a:endParaRPr>
+          </a:p>
+          <a:p>
+            <a:pPr marL="0" indent="0" defTabSz="1125220" eaLnBrk="0" latinLnBrk="0">
+              <a:buFontTx/>
+              <a:buNone/>
+            </a:pPr>
+            <a:endParaRPr lang="ko-KR" altLang="en-US" sz="1965">
+              <a:solidFill>
+                <a:schemeClr val="bg2">
+                  <a:lumMod val="50000"/>
+                  <a:lumOff val="0"/>
+                </a:schemeClr>
+              </a:solidFill>
+              <a:latin typeface="Arial" charset="0"/>
+              <a:ea typeface="Arial" charset="0"/>
+            </a:endParaRPr>
+          </a:p>
+        </p:txBody>
+      </p:sp>
+    </p:spTree>
+  </p:cSld>
+  <p:clrMapOvr>
+    <a:masterClrMapping/>
+  </p:clrMapOvr>
+  <mc:AlternateContent xmlns:mc="http://schemas.openxmlformats.org/markup-compatibility/2006">
+    <mc:Choice xmlns:p14="http://schemas.microsoft.com/office/powerpoint/2010/main" Requires="p14">
+      <p:transition spd="slow" p14:dur="2000"/>
+    </mc:Choice>
+    <mc:Fallback>
+      <p:transition spd="slow"/>
+    </mc:Fallback>
+  </mc:AlternateContent>
+  <p:timing>
+    <p:tnLst>
+      <p:par>
+        <p:cTn id="1" dur="indefinite" restart="never" nodeType="tmRoot"/>
+      </p:par>
+    </p:tnLst>
+  </p:timing>
+</p:sld>
+</file>
+
+<file path=ppt/slides/slide6.xml><?xml version="1.0" encoding="utf-8"?>
+<p:sld xmlns:a="http://schemas.openxmlformats.org/drawingml/2006/main" xmlns:r="http://schemas.openxmlformats.org/officeDocument/2006/relationships" xmlns:p="http://schemas.openxmlformats.org/presentationml/2006/main">
+  <p:cSld>
+    <p:bg>
+      <p:bgPr>
+        <a:blipFill rotWithShape="1">
+          <a:blip r:embed="rId2" cstate="print">
+            <a:extLst>
+              <a:ext uri="{28A0092B-C50C-407E-A947-70E740481C1C}">
+                <a14:useLocalDpi xmlns:a14="http://schemas.microsoft.com/office/drawing/2010/main" val="0"/>
+              </a:ext>
+            </a:extLst>
+          </a:blip>
+          <a:stretch>
+            <a:fillRect l="0" t="0" r="0" b="0"/>
+          </a:stretch>
+        </a:blipFill>
+      </p:bgPr>
+    </p:bg>
+    <p:spTree>
+      <p:nvGrpSpPr>
+        <p:cNvPr id="1" name=""/>
+        <p:cNvGrpSpPr/>
+        <p:nvPr/>
+      </p:nvGrpSpPr>
+      <p:grpSpPr>
+        <a:xfrm>
+          <a:off x="0" y="0"/>
+          <a:ext cx="0" cy="0"/>
+          <a:chOff x="0" y="0"/>
+          <a:chExt cx="0" cy="0"/>
+        </a:xfrm>
+      </p:grpSpPr>
+      <p:sp>
+        <p:nvSpPr>
+          <p:cNvPr id="23" name="Rect 0"/>
+          <p:cNvSpPr>
+            <a:spLocks/>
+          </p:cNvSpPr>
+          <p:nvPr/>
+        </p:nvSpPr>
+        <p:spPr>
+          <a:xfrm rot="0">
+            <a:off x="6499225" y="3285490"/>
+            <a:ext cx="4615180" cy="2229485"/>
+          </a:xfrm>
+          <a:prstGeom prst="rect"/>
+          <a:noFill/>
+        </p:spPr>
+        <p:txBody>
+          <a:bodyPr wrap="square" lIns="112395" tIns="56515" rIns="112395" bIns="56515" numCol="1" vert="horz" anchor="t">
+            <a:spAutoFit/>
+          </a:bodyPr>
+          <a:lstStyle/>
+          <a:p>
+            <a:pPr marL="0" indent="0" defTabSz="1125220" eaLnBrk="0" latinLnBrk="0">
+              <a:buFontTx/>
+              <a:buNone/>
+            </a:pPr>
+            <a:endParaRPr lang="ko-KR" altLang="en-US" sz="1965">
+              <a:solidFill>
+                <a:srgbClr val="777878"/>
+              </a:solidFill>
+              <a:latin typeface="Arial" charset="0"/>
+              <a:ea typeface="Arial" charset="0"/>
+            </a:endParaRPr>
+          </a:p>
+          <a:p>
+            <a:pPr marL="0" indent="0" defTabSz="1125220" eaLnBrk="0" latinLnBrk="0">
+              <a:buFontTx/>
+              <a:buNone/>
+            </a:pPr>
+            <a:endParaRPr lang="ko-KR" altLang="en-US" sz="1965">
+              <a:solidFill>
+                <a:srgbClr val="777878"/>
+              </a:solidFill>
+              <a:latin typeface="Arial" charset="0"/>
+              <a:ea typeface="Arial" charset="0"/>
+            </a:endParaRPr>
+          </a:p>
+          <a:p>
+            <a:pPr marL="0" indent="0" defTabSz="1125220" eaLnBrk="0" latinLnBrk="0">
+              <a:buFontTx/>
+              <a:buNone/>
+            </a:pPr>
+            <a:endParaRPr lang="ko-KR" altLang="en-US" sz="1965">
+              <a:solidFill>
+                <a:srgbClr val="777878"/>
+              </a:solidFill>
+              <a:latin typeface="Arial" charset="0"/>
+              <a:ea typeface="Arial" charset="0"/>
+            </a:endParaRPr>
+          </a:p>
+          <a:p>
+            <a:pPr marL="0" indent="0" defTabSz="1125220" eaLnBrk="0" latinLnBrk="0">
+              <a:buFontTx/>
+              <a:buNone/>
+            </a:pPr>
+            <a:endParaRPr lang="ko-KR" altLang="en-US" sz="1965">
+              <a:solidFill>
+                <a:srgbClr val="777878"/>
+              </a:solidFill>
+              <a:latin typeface="Arial" charset="0"/>
+              <a:ea typeface="Arial" charset="0"/>
+            </a:endParaRPr>
+          </a:p>
+          <a:p>
+            <a:pPr marL="0" indent="0" defTabSz="1125220" eaLnBrk="0" latinLnBrk="0">
+              <a:buFontTx/>
+              <a:buNone/>
+            </a:pPr>
+            <a:endParaRPr lang="ko-KR" altLang="en-US" sz="1965">
+              <a:solidFill>
+                <a:srgbClr val="777878"/>
+              </a:solidFill>
+              <a:latin typeface="Arial" charset="0"/>
+              <a:ea typeface="Arial" charset="0"/>
+            </a:endParaRPr>
+          </a:p>
+          <a:p>
+            <a:pPr marL="0" indent="0" defTabSz="1125220" eaLnBrk="0" latinLnBrk="0">
+              <a:buFontTx/>
+              <a:buNone/>
+            </a:pPr>
+            <a:endParaRPr lang="ko-KR" altLang="en-US" sz="1965">
+              <a:solidFill>
+                <a:srgbClr val="777878"/>
+              </a:solidFill>
+              <a:latin typeface="맑은 고딕" charset="0"/>
+              <a:ea typeface="맑은 고딕" charset="0"/>
+            </a:endParaRPr>
+          </a:p>
+          <a:p>
+            <a:pPr marL="0" indent="0" defTabSz="1125220" eaLnBrk="0" latinLnBrk="0">
+              <a:buFontTx/>
+              <a:buNone/>
+            </a:pPr>
+            <a:endParaRPr lang="ko-KR" altLang="en-US" sz="1965">
+              <a:solidFill>
+                <a:schemeClr val="bg2">
+                  <a:lumMod val="50000"/>
+                  <a:lumOff val="0"/>
+                </a:schemeClr>
+              </a:solidFill>
+              <a:latin typeface="Arial" charset="0"/>
+              <a:ea typeface="Arial" charset="0"/>
+            </a:endParaRPr>
+          </a:p>
+        </p:txBody>
+      </p:sp>
+    </p:spTree>
+  </p:cSld>
+  <p:clrMapOvr>
+    <a:masterClrMapping/>
+  </p:clrMapOvr>
+  <mc:AlternateContent xmlns:mc="http://schemas.openxmlformats.org/markup-compatibility/2006">
+    <mc:Choice xmlns:p14="http://schemas.microsoft.com/office/powerpoint/2010/main" Requires="p14">
+      <p:transition spd="slow" p14:dur="2000"/>
+    </mc:Choice>
+    <mc:Fallback>
+      <p:transition spd="slow"/>
+    </mc:Fallback>
+  </mc:AlternateContent>
+  <p:timing>
+    <p:tnLst>
+      <p:par>
+        <p:cTn id="1" dur="indefinite" restart="never" nodeType="tmRoot"/>
+      </p:par>
+    </p:tnLst>
+  </p:timing>
+</p:sld>
+</file>
+
+<file path=ppt/slides/slide7.xml><?xml version="1.0" encoding="utf-8"?>
+<p:sld xmlns:a="http://schemas.openxmlformats.org/drawingml/2006/main" xmlns:r="http://schemas.openxmlformats.org/officeDocument/2006/relationships" xmlns:p="http://schemas.openxmlformats.org/presentationml/2006/main">
+  <p:cSld>
+    <p:bg>
+      <p:bgPr>
+        <a:blipFill rotWithShape="1">
+          <a:blip r:embed="rId2" cstate="print">
+            <a:extLst>
+              <a:ext uri="{28A0092B-C50C-407E-A947-70E740481C1C}">
+                <a14:useLocalDpi xmlns:a14="http://schemas.microsoft.com/office/drawing/2010/main" val="0"/>
+              </a:ext>
+            </a:extLst>
+          </a:blip>
+          <a:stretch>
+            <a:fillRect l="0" t="0" r="0" b="0"/>
+          </a:stretch>
+        </a:blipFill>
+      </p:bgPr>
+    </p:bg>
+    <p:spTree>
+      <p:nvGrpSpPr>
+        <p:cNvPr id="1" name=""/>
+        <p:cNvGrpSpPr/>
+        <p:nvPr/>
+      </p:nvGrpSpPr>
+      <p:grpSpPr>
+        <a:xfrm>
+          <a:off x="0" y="0"/>
+          <a:ext cx="0" cy="0"/>
+          <a:chOff x="0" y="0"/>
+          <a:chExt cx="0" cy="0"/>
+        </a:xfrm>
+      </p:grpSpPr>
+      <p:sp>
+        <p:nvSpPr>
+          <p:cNvPr id="23" name="Rect 0"/>
+          <p:cNvSpPr>
+            <a:spLocks/>
+          </p:cNvSpPr>
+          <p:nvPr/>
+        </p:nvSpPr>
+        <p:spPr>
+          <a:xfrm rot="0">
+            <a:off x="6499225" y="3285490"/>
+            <a:ext cx="4615180" cy="2229485"/>
+          </a:xfrm>
+          <a:prstGeom prst="rect"/>
+          <a:noFill/>
+        </p:spPr>
+        <p:txBody>
+          <a:bodyPr wrap="square" lIns="112395" tIns="56515" rIns="112395" bIns="56515" numCol="1" vert="horz" anchor="t">
+            <a:spAutoFit/>
+          </a:bodyPr>
+          <a:lstStyle/>
+          <a:p>
+            <a:pPr marL="0" indent="0" defTabSz="1125220" eaLnBrk="0" latinLnBrk="0">
+              <a:buFontTx/>
+              <a:buNone/>
+            </a:pPr>
+            <a:endParaRPr lang="ko-KR" altLang="en-US" sz="1965">
+              <a:solidFill>
+                <a:srgbClr val="777878"/>
+              </a:solidFill>
+              <a:latin typeface="Arial" charset="0"/>
+              <a:ea typeface="Arial" charset="0"/>
+            </a:endParaRPr>
+          </a:p>
+          <a:p>
+            <a:pPr marL="0" indent="0" defTabSz="1125220" eaLnBrk="0" latinLnBrk="0">
+              <a:buFontTx/>
+              <a:buNone/>
+            </a:pPr>
+            <a:endParaRPr lang="ko-KR" altLang="en-US" sz="1965">
+              <a:solidFill>
+                <a:srgbClr val="777878"/>
+              </a:solidFill>
+              <a:latin typeface="Arial" charset="0"/>
+              <a:ea typeface="Arial" charset="0"/>
+            </a:endParaRPr>
+          </a:p>
+          <a:p>
+            <a:pPr marL="0" indent="0" defTabSz="1125220" eaLnBrk="0" latinLnBrk="0">
+              <a:buFontTx/>
+              <a:buNone/>
+            </a:pPr>
+            <a:endParaRPr lang="ko-KR" altLang="en-US" sz="1965">
+              <a:solidFill>
+                <a:srgbClr val="777878"/>
+              </a:solidFill>
+              <a:latin typeface="Arial" charset="0"/>
+              <a:ea typeface="Arial" charset="0"/>
+            </a:endParaRPr>
+          </a:p>
+          <a:p>
+            <a:pPr marL="0" indent="0" defTabSz="1125220" eaLnBrk="0" latinLnBrk="0">
+              <a:buFontTx/>
+              <a:buNone/>
+            </a:pPr>
+            <a:endParaRPr lang="ko-KR" altLang="en-US" sz="1965">
+              <a:solidFill>
+                <a:srgbClr val="777878"/>
+              </a:solidFill>
+              <a:latin typeface="Arial" charset="0"/>
+              <a:ea typeface="Arial" charset="0"/>
+            </a:endParaRPr>
+          </a:p>
+          <a:p>
+            <a:pPr marL="0" indent="0" defTabSz="1125220" eaLnBrk="0" latinLnBrk="0">
+              <a:buFontTx/>
+              <a:buNone/>
+            </a:pPr>
+            <a:endParaRPr lang="ko-KR" altLang="en-US" sz="1965">
+              <a:solidFill>
+                <a:srgbClr val="777878"/>
+              </a:solidFill>
+              <a:latin typeface="Arial" charset="0"/>
+              <a:ea typeface="Arial" charset="0"/>
+            </a:endParaRPr>
+          </a:p>
+          <a:p>
+            <a:pPr marL="0" indent="0" defTabSz="1125220" eaLnBrk="0" latinLnBrk="0">
+              <a:buFontTx/>
+              <a:buNone/>
+            </a:pPr>
+            <a:endParaRPr lang="ko-KR" altLang="en-US" sz="1965">
+              <a:solidFill>
+                <a:srgbClr val="777878"/>
+              </a:solidFill>
+              <a:latin typeface="맑은 고딕" charset="0"/>
+              <a:ea typeface="맑은 고딕" charset="0"/>
+            </a:endParaRPr>
+          </a:p>
+          <a:p>
+            <a:pPr marL="0" indent="0" defTabSz="1125220" eaLnBrk="0" latinLnBrk="0">
+              <a:buFontTx/>
+              <a:buNone/>
+            </a:pPr>
+            <a:endParaRPr lang="ko-KR" altLang="en-US" sz="1965">
+              <a:solidFill>
+                <a:schemeClr val="bg2">
+                  <a:lumMod val="50000"/>
+                  <a:lumOff val="0"/>
+                </a:schemeClr>
+              </a:solidFill>
+              <a:latin typeface="Arial" charset="0"/>
+              <a:ea typeface="Arial" charset="0"/>
+            </a:endParaRPr>
+          </a:p>
+        </p:txBody>
+      </p:sp>
+    </p:spTree>
+  </p:cSld>
+  <p:clrMapOvr>
+    <a:masterClrMapping/>
+  </p:clrMapOvr>
+  <mc:AlternateContent xmlns:mc="http://schemas.openxmlformats.org/markup-compatibility/2006">
+    <mc:Choice xmlns:p14="http://schemas.microsoft.com/office/powerpoint/2010/main" Requires="p14">
+      <p:transition spd="slow" p14:dur="2000"/>
+    </mc:Choice>
+    <mc:Fallback>
+      <p:transition spd="slow"/>
+    </mc:Fallback>
+  </mc:AlternateContent>
+  <p:timing>
+    <p:tnLst>
+      <p:par>
+        <p:cTn id="1" dur="indefinite" restart="never" nodeType="tmRoot"/>
+      </p:par>
+    </p:tnLst>
+  </p:timing>
+</p:sld>
+</file>
+
+<file path=ppt/slides/slide8.xml><?xml version="1.0" encoding="utf-8"?>
+<p:sld xmlns:a="http://schemas.openxmlformats.org/drawingml/2006/main" xmlns:r="http://schemas.openxmlformats.org/officeDocument/2006/relationships" xmlns:p="http://schemas.openxmlformats.org/presentationml/2006/main">
+  <p:cSld>
+    <p:bg>
+      <p:bgPr>
+        <a:blipFill rotWithShape="1">
+          <a:blip r:embed="rId2" cstate="print">
+            <a:extLst>
+              <a:ext uri="{28A0092B-C50C-407E-A947-70E740481C1C}">
+                <a14:useLocalDpi xmlns:a14="http://schemas.microsoft.com/office/drawing/2010/main" val="0"/>
+              </a:ext>
+            </a:extLst>
+          </a:blip>
+          <a:stretch>
+            <a:fillRect l="0" t="0" r="0" b="0"/>
+          </a:stretch>
+        </a:blipFill>
+      </p:bgPr>
+    </p:bg>
+    <p:spTree>
+      <p:nvGrpSpPr>
+        <p:cNvPr id="1" name=""/>
+        <p:cNvGrpSpPr/>
+        <p:nvPr/>
+      </p:nvGrpSpPr>
+      <p:grpSpPr>
+        <a:xfrm>
+          <a:off x="0" y="0"/>
+          <a:ext cx="0" cy="0"/>
+          <a:chOff x="0" y="0"/>
+          <a:chExt cx="0" cy="0"/>
+        </a:xfrm>
+      </p:grpSpPr>
+      <p:sp>
+        <p:nvSpPr>
+          <p:cNvPr id="23" name="Rect 0"/>
+          <p:cNvSpPr>
+            <a:spLocks/>
+          </p:cNvSpPr>
+          <p:nvPr/>
+        </p:nvSpPr>
+        <p:spPr>
+          <a:xfrm rot="0">
+            <a:off x="6499225" y="3285490"/>
+            <a:ext cx="4615180" cy="2229485"/>
+          </a:xfrm>
+          <a:prstGeom prst="rect"/>
+          <a:noFill/>
+        </p:spPr>
+        <p:txBody>
+          <a:bodyPr wrap="square" lIns="112395" tIns="56515" rIns="112395" bIns="56515" numCol="1" vert="horz" anchor="t">
+            <a:spAutoFit/>
+          </a:bodyPr>
+          <a:lstStyle/>
+          <a:p>
+            <a:pPr marL="0" indent="0" defTabSz="1125220" eaLnBrk="0" latinLnBrk="0">
+              <a:buFontTx/>
+              <a:buNone/>
+            </a:pPr>
+            <a:endParaRPr lang="ko-KR" altLang="en-US" sz="1965">
+              <a:solidFill>
+                <a:srgbClr val="777878"/>
+              </a:solidFill>
+              <a:latin typeface="Arial" charset="0"/>
+              <a:ea typeface="Arial" charset="0"/>
+            </a:endParaRPr>
+          </a:p>
+          <a:p>
+            <a:pPr marL="0" indent="0" defTabSz="1125220" eaLnBrk="0" latinLnBrk="0">
+              <a:buFontTx/>
+              <a:buNone/>
+            </a:pPr>
+            <a:endParaRPr lang="ko-KR" altLang="en-US" sz="1965">
+              <a:solidFill>
+                <a:srgbClr val="777878"/>
+              </a:solidFill>
+              <a:latin typeface="Arial" charset="0"/>
+              <a:ea typeface="Arial" charset="0"/>
+            </a:endParaRPr>
+          </a:p>
+          <a:p>
+            <a:pPr marL="0" indent="0" defTabSz="1125220" eaLnBrk="0" latinLnBrk="0">
+              <a:buFontTx/>
+              <a:buNone/>
+            </a:pPr>
+            <a:endParaRPr lang="ko-KR" altLang="en-US" sz="1965">
+              <a:solidFill>
+                <a:srgbClr val="777878"/>
+              </a:solidFill>
+              <a:latin typeface="Arial" charset="0"/>
+              <a:ea typeface="Arial" charset="0"/>
+            </a:endParaRPr>
+          </a:p>
+          <a:p>
+            <a:pPr marL="0" indent="0" defTabSz="1125220" eaLnBrk="0" latinLnBrk="0">
+              <a:buFontTx/>
+              <a:buNone/>
+            </a:pPr>
+            <a:endParaRPr lang="ko-KR" altLang="en-US" sz="1965">
+              <a:solidFill>
+                <a:srgbClr val="777878"/>
+              </a:solidFill>
+              <a:latin typeface="Arial" charset="0"/>
+              <a:ea typeface="Arial" charset="0"/>
+            </a:endParaRPr>
+          </a:p>
+          <a:p>
+            <a:pPr marL="0" indent="0" defTabSz="1125220" eaLnBrk="0" latinLnBrk="0">
+              <a:buFontTx/>
+              <a:buNone/>
+            </a:pPr>
+            <a:endParaRPr lang="ko-KR" altLang="en-US" sz="1965">
+              <a:solidFill>
+                <a:srgbClr val="777878"/>
+              </a:solidFill>
+              <a:latin typeface="Arial" charset="0"/>
+              <a:ea typeface="Arial" charset="0"/>
+            </a:endParaRPr>
+          </a:p>
+          <a:p>
+            <a:pPr marL="0" indent="0" defTabSz="1125220" eaLnBrk="0" latinLnBrk="0">
+              <a:buFontTx/>
+              <a:buNone/>
+            </a:pPr>
+            <a:endParaRPr lang="ko-KR" altLang="en-US" sz="1965">
+              <a:solidFill>
+                <a:srgbClr val="777878"/>
+              </a:solidFill>
+              <a:latin typeface="맑은 고딕" charset="0"/>
+              <a:ea typeface="맑은 고딕" charset="0"/>
+            </a:endParaRPr>
+          </a:p>
+          <a:p>
+            <a:pPr marL="0" indent="0" defTabSz="1125220" eaLnBrk="0" latinLnBrk="0">
+              <a:buFontTx/>
+              <a:buNone/>
+            </a:pPr>
+            <a:endParaRPr lang="ko-KR" altLang="en-US" sz="1965">
+              <a:solidFill>
+                <a:schemeClr val="bg2">
+                  <a:lumMod val="50000"/>
+                  <a:lumOff val="0"/>
+                </a:schemeClr>
+              </a:solidFill>
+              <a:latin typeface="Arial" charset="0"/>
+              <a:ea typeface="Arial" charset="0"/>
+            </a:endParaRPr>
+          </a:p>
+        </p:txBody>
+      </p:sp>
+    </p:spTree>
+  </p:cSld>
+  <p:clrMapOvr>
+    <a:masterClrMapping/>
+  </p:clrMapOvr>
+  <mc:AlternateContent xmlns:mc="http://schemas.openxmlformats.org/markup-compatibility/2006">
+    <mc:Choice xmlns:p14="http://schemas.microsoft.com/office/powerpoint/2010/main" Requires="p14">
+      <p:transition spd="slow" p14:dur="2000"/>
+    </mc:Choice>
+    <mc:Fallback>
+      <p:transition spd="slow"/>
+    </mc:Fallback>
+  </mc:AlternateContent>
+  <p:timing>
+    <p:tnLst>
+      <p:par>
+        <p:cTn id="1" dur="indefinite" restart="never" nodeType="tmRoot"/>
+      </p:par>
+    </p:tnLst>
+  </p:timing>
+</p:sld>
+</file>
+
+<file path=ppt/slides/slide9.xml><?xml version="1.0" encoding="utf-8"?>
+<p:sld xmlns:a="http://schemas.openxmlformats.org/drawingml/2006/main" xmlns:r="http://schemas.openxmlformats.org/officeDocument/2006/relationships" xmlns:p="http://schemas.openxmlformats.org/presentationml/2006/main">
+  <p:cSld>
+    <p:bg>
+      <p:bgPr>
+        <a:blipFill rotWithShape="1">
+          <a:blip r:embed="rId2" cstate="print">
+            <a:extLst>
+              <a:ext uri="{28A0092B-C50C-407E-A947-70E740481C1C}">
+                <a14:useLocalDpi xmlns:a14="http://schemas.microsoft.com/office/drawing/2010/main" val="0"/>
+              </a:ext>
+            </a:extLst>
+          </a:blip>
+          <a:stretch>
+            <a:fillRect l="0" t="0" r="0" b="0"/>
+          </a:stretch>
+        </a:blipFill>
+      </p:bgPr>
+    </p:bg>
+    <p:spTree>
+      <p:nvGrpSpPr>
+        <p:cNvPr id="1" name=""/>
+        <p:cNvGrpSpPr/>
+        <p:nvPr/>
+      </p:nvGrpSpPr>
+      <p:grpSpPr>
+        <a:xfrm>
+          <a:off x="0" y="0"/>
+          <a:ext cx="0" cy="0"/>
+          <a:chOff x="0" y="0"/>
+          <a:chExt cx="0" cy="0"/>
+        </a:xfrm>
+      </p:grpSpPr>
+      <p:sp>
+        <p:nvSpPr>
+          <p:cNvPr id="23" name="Rect 0"/>
+          <p:cNvSpPr>
+            <a:spLocks/>
+          </p:cNvSpPr>
+          <p:nvPr/>
+        </p:nvSpPr>
+        <p:spPr>
+          <a:xfrm rot="0">
+            <a:off x="6499225" y="3285490"/>
+            <a:ext cx="4615180" cy="2229485"/>
+          </a:xfrm>
+          <a:prstGeom prst="rect"/>
+          <a:noFill/>
+        </p:spPr>
+        <p:txBody>
+          <a:bodyPr wrap="square" lIns="112395" tIns="56515" rIns="112395" bIns="56515" numCol="1" vert="horz" anchor="t">
+            <a:spAutoFit/>
+          </a:bodyPr>
+          <a:lstStyle/>
+          <a:p>
+            <a:pPr marL="0" indent="0" defTabSz="1125220" eaLnBrk="0" latinLnBrk="0">
+              <a:buFontTx/>
+              <a:buNone/>
+            </a:pPr>
+            <a:endParaRPr lang="ko-KR" altLang="en-US" sz="1965">
+              <a:solidFill>
+                <a:srgbClr val="777878"/>
+              </a:solidFill>
+              <a:latin typeface="Arial" charset="0"/>
+              <a:ea typeface="Arial" charset="0"/>
+            </a:endParaRPr>
+          </a:p>
+          <a:p>
+            <a:pPr marL="0" indent="0" defTabSz="1125220" eaLnBrk="0" latinLnBrk="0">
+              <a:buFontTx/>
+              <a:buNone/>
+            </a:pPr>
+            <a:endParaRPr lang="ko-KR" altLang="en-US" sz="1965">
+              <a:solidFill>
+                <a:srgbClr val="777878"/>
+              </a:solidFill>
+              <a:latin typeface="Arial" charset="0"/>
+              <a:ea typeface="Arial" charset="0"/>
+            </a:endParaRPr>
+          </a:p>
+          <a:p>
+            <a:pPr marL="0" indent="0" defTabSz="1125220" eaLnBrk="0" latinLnBrk="0">
+              <a:buFontTx/>
+              <a:buNone/>
+            </a:pPr>
+            <a:endParaRPr lang="ko-KR" altLang="en-US" sz="1965">
+              <a:solidFill>
+                <a:srgbClr val="777878"/>
+              </a:solidFill>
+              <a:latin typeface="Arial" charset="0"/>
+              <a:ea typeface="Arial" charset="0"/>
+            </a:endParaRPr>
+          </a:p>
+          <a:p>
+            <a:pPr marL="0" indent="0" defTabSz="1125220" eaLnBrk="0" latinLnBrk="0">
+              <a:buFontTx/>
+              <a:buNone/>
+            </a:pPr>
+            <a:endParaRPr lang="ko-KR" altLang="en-US" sz="1965">
+              <a:solidFill>
+                <a:srgbClr val="777878"/>
+              </a:solidFill>
+              <a:latin typeface="Arial" charset="0"/>
+              <a:ea typeface="Arial" charset="0"/>
+            </a:endParaRPr>
+          </a:p>
+          <a:p>
+            <a:pPr marL="0" indent="0" defTabSz="1125220" eaLnBrk="0" latinLnBrk="0">
+              <a:buFontTx/>
+              <a:buNone/>
+            </a:pPr>
+            <a:endParaRPr lang="ko-KR" altLang="en-US" sz="1965">
+              <a:solidFill>
+                <a:srgbClr val="777878"/>
+              </a:solidFill>
+              <a:latin typeface="Arial" charset="0"/>
+              <a:ea typeface="Arial" charset="0"/>
+            </a:endParaRPr>
+          </a:p>
+          <a:p>
+            <a:pPr marL="0" indent="0" defTabSz="1125220" eaLnBrk="0" latinLnBrk="0">
+              <a:buFontTx/>
+              <a:buNone/>
+            </a:pPr>
+            <a:endParaRPr lang="ko-KR" altLang="en-US" sz="1965">
+              <a:solidFill>
+                <a:srgbClr val="777878"/>
+              </a:solidFill>
+              <a:latin typeface="맑은 고딕" charset="0"/>
+              <a:ea typeface="맑은 고딕" charset="0"/>
+            </a:endParaRPr>
+          </a:p>
+          <a:p>
+            <a:pPr marL="0" indent="0" defTabSz="1125220" eaLnBrk="0" latinLnBrk="0">
+              <a:buFontTx/>
+              <a:buNone/>
+            </a:pPr>
+            <a:endParaRPr lang="ko-KR" altLang="en-US" sz="1965">
+              <a:solidFill>
+                <a:schemeClr val="bg2">
+                  <a:lumMod val="50000"/>
+                  <a:lumOff val="0"/>
+                </a:schemeClr>
+              </a:solidFill>
+              <a:latin typeface="Arial" charset="0"/>
+              <a:ea typeface="Arial" charset="0"/>
+            </a:endParaRPr>
+          </a:p>
+        </p:txBody>
+      </p:sp>
+    </p:spTree>
+  </p:cSld>
+  <p:clrMapOvr>
+    <a:masterClrMapping/>
+  </p:clrMapOvr>
+  <mc:AlternateContent xmlns:mc="http://schemas.openxmlformats.org/markup-compatibility/2006">
+    <mc:Choice xmlns:p14="http://schemas.microsoft.com/office/powerpoint/2010/main" Requires="p14">
+      <p:transition spd="slow" p14:dur="2000"/>
+    </mc:Choice>
+    <mc:Fallback>
+      <p:transition spd="slow"/>
+    </mc:Fallback>
+  </mc:AlternateContent>
+  <p:timing>
+    <p:tnLst>
+      <p:par>
+        <p:cTn id="1" dur="indefinite" restart="never" nodeType="tmRoot"/>
+      </p:par>
+    </p:tnLst>
+  </p:timing>
 </p:sld>
 </file>
 
